--- a/Мастер-класс/Dubl2.pptx
+++ b/Мастер-класс/Dubl2.pptx
@@ -13,8 +13,8 @@
   <p:sldIdLst>
     <p:sldId id="257" r:id="rId2"/>
     <p:sldId id="263" r:id="rId3"/>
-    <p:sldId id="269" r:id="rId4"/>
-    <p:sldId id="268" r:id="rId5"/>
+    <p:sldId id="268" r:id="rId4"/>
+    <p:sldId id="269" r:id="rId5"/>
     <p:sldId id="271" r:id="rId6"/>
     <p:sldId id="280" r:id="rId7"/>
     <p:sldId id="267" r:id="rId8"/>
@@ -169,9 +169,9 @@
 
 <file path=ppt/comments/comment3.xml><?xml version="1.0" encoding="utf-8"?>
 <p:cmLst xmlns:a="http://schemas.openxmlformats.org/drawingml/2006/main" xmlns:r="http://schemas.openxmlformats.org/officeDocument/2006/relationships" xmlns:p="http://schemas.openxmlformats.org/presentationml/2006/main">
-  <p:cm authorId="1" dt="2020-11-08T18:04:37.993" idx="4">
+  <p:cm authorId="1" dt="2020-11-08T17:42:52.071" idx="3">
     <p:pos x="10" y="10"/>
-    <p:text>Разные роботы, разные программы.</p:text>
+    <p:text>Что нужно, чтобы создать робота? Важен внешний вид и программа. Два этапа, которые взаимосвязаны. Нельзя создавать внешний вид робота без понимания его алгоритма</p:text>
     <p:extLst>
       <p:ext uri="{C676402C-5697-4E1C-873F-D02D1690AC5C}">
         <p15:threadingInfo xmlns:p15="http://schemas.microsoft.com/office/powerpoint/2012/main" timeZoneBias="-300"/>
@@ -183,9 +183,9 @@
 
 <file path=ppt/comments/comment4.xml><?xml version="1.0" encoding="utf-8"?>
 <p:cmLst xmlns:a="http://schemas.openxmlformats.org/drawingml/2006/main" xmlns:r="http://schemas.openxmlformats.org/officeDocument/2006/relationships" xmlns:p="http://schemas.openxmlformats.org/presentationml/2006/main">
-  <p:cm authorId="1" dt="2020-11-08T17:42:52.071" idx="3">
+  <p:cm authorId="1" dt="2020-11-08T18:04:37.993" idx="4">
     <p:pos x="10" y="10"/>
-    <p:text>Что нужно, чтобы создать робота? Важен внешний вид и программа. Два этапа, которые взаимосвязаны. Нельзя создавать внешний вид робота без понимания его алгоритма</p:text>
+    <p:text>Разные роботы, разные программы.</p:text>
     <p:extLst>
       <p:ext uri="{C676402C-5697-4E1C-873F-D02D1690AC5C}">
         <p15:threadingInfo xmlns:p15="http://schemas.microsoft.com/office/powerpoint/2012/main" timeZoneBias="-300"/>
@@ -279,7 +279,7 @@
             <a:pPr rtl="0"/>
             <a:fld id="{6B5C320A-F5C8-4FD6-86FF-35D2EBF085B6}" type="datetime1">
               <a:rPr lang="ru-RU" smtClean="0"/>
-              <a:t>08.11.2020</a:t>
+              <a:t>13.11.2020</a:t>
             </a:fld>
             <a:endParaRPr lang="en-US" dirty="0"/>
           </a:p>
@@ -449,7 +449,7 @@
             <a:pPr rtl="0"/>
             <a:fld id="{15C702C7-E599-40D9-B30E-0392896973B5}" type="datetime1">
               <a:rPr lang="ru-RU" smtClean="0"/>
-              <a:t>08.11.2020</a:t>
+              <a:t>13.11.2020</a:t>
             </a:fld>
             <a:endParaRPr lang="en-US"/>
           </a:p>
@@ -1194,7 +1194,7 @@
             <a:pPr rtl="0"/>
             <a:fld id="{6506E9A3-1561-45B7-908B-DACC52528ABB}" type="datetime1">
               <a:rPr lang="ru-RU" smtClean="0"/>
-              <a:t>08.11.2020</a:t>
+              <a:t>13.11.2020</a:t>
             </a:fld>
             <a:endParaRPr lang="en-US" dirty="0"/>
           </a:p>
@@ -1400,7 +1400,7 @@
             <a:pPr rtl="0"/>
             <a:fld id="{3E92B999-6CB2-48D4-8AF6-3D1A5D13436B}" type="datetime1">
               <a:rPr lang="ru-RU" smtClean="0"/>
-              <a:t>08.11.2020</a:t>
+              <a:t>13.11.2020</a:t>
             </a:fld>
             <a:endParaRPr lang="en-US"/>
           </a:p>
@@ -1584,7 +1584,7 @@
             <a:pPr rtl="0"/>
             <a:fld id="{B52C98DB-1092-48C4-AD4E-BD3E9D2E2345}" type="datetime1">
               <a:rPr lang="ru-RU" smtClean="0"/>
-              <a:t>08.11.2020</a:t>
+              <a:t>13.11.2020</a:t>
             </a:fld>
             <a:endParaRPr lang="en-US"/>
           </a:p>
@@ -1758,7 +1758,7 @@
             <a:pPr rtl="0"/>
             <a:fld id="{629C2F20-7994-4D1E-A01C-96ECBA4612EB}" type="datetime1">
               <a:rPr lang="ru-RU" smtClean="0"/>
-              <a:t>08.11.2020</a:t>
+              <a:t>13.11.2020</a:t>
             </a:fld>
             <a:endParaRPr lang="en-US"/>
           </a:p>
@@ -2361,7 +2361,7 @@
             <a:pPr rtl="0"/>
             <a:fld id="{7B2CE4EA-3B49-4A00-ADF3-7C7272A626C1}" type="datetime1">
               <a:rPr lang="ru-RU" smtClean="0"/>
-              <a:t>08.11.2020</a:t>
+              <a:t>13.11.2020</a:t>
             </a:fld>
             <a:endParaRPr lang="en-US" dirty="0"/>
           </a:p>
@@ -2685,7 +2685,7 @@
             <a:pPr rtl="0"/>
             <a:fld id="{9A16848F-27AD-43B9-904C-1CF05D24EB3C}" type="datetime1">
               <a:rPr lang="ru-RU" smtClean="0"/>
-              <a:t>08.11.2020</a:t>
+              <a:t>13.11.2020</a:t>
             </a:fld>
             <a:endParaRPr lang="en-US"/>
           </a:p>
@@ -3126,7 +3126,7 @@
             <a:pPr rtl="0"/>
             <a:fld id="{23090412-2DE5-405A-816E-F08FB54EB168}" type="datetime1">
               <a:rPr lang="ru-RU" smtClean="0"/>
-              <a:t>08.11.2020</a:t>
+              <a:t>13.11.2020</a:t>
             </a:fld>
             <a:endParaRPr lang="en-US"/>
           </a:p>
@@ -3248,7 +3248,7 @@
             <a:pPr rtl="0"/>
             <a:fld id="{F4C2D7CB-4DC1-4BB7-BF00-4C36160857E0}" type="datetime1">
               <a:rPr lang="ru-RU" smtClean="0"/>
-              <a:t>08.11.2020</a:t>
+              <a:t>13.11.2020</a:t>
             </a:fld>
             <a:endParaRPr lang="en-US"/>
           </a:p>
@@ -3346,7 +3346,7 @@
             <a:pPr rtl="0"/>
             <a:fld id="{4060D38F-E364-4ED4-9BF4-D7F00FFBE76A}" type="datetime1">
               <a:rPr lang="ru-RU" smtClean="0"/>
-              <a:t>08.11.2020</a:t>
+              <a:t>13.11.2020</a:t>
             </a:fld>
             <a:endParaRPr lang="en-US"/>
           </a:p>
@@ -3767,7 +3767,7 @@
             <a:pPr rtl="0"/>
             <a:fld id="{F183FEFD-AB08-4CB5-AE4D-2F6B12D8E3B0}" type="datetime1">
               <a:rPr lang="ru-RU" smtClean="0"/>
-              <a:t>08.11.2020</a:t>
+              <a:t>13.11.2020</a:t>
             </a:fld>
             <a:endParaRPr lang="en-US"/>
           </a:p>
@@ -4032,7 +4032,7 @@
             <a:pPr rtl="0"/>
             <a:fld id="{EBEA1583-5CEF-4E36-A7FC-D34B7E954D76}" type="datetime1">
               <a:rPr lang="ru-RU" smtClean="0"/>
-              <a:t>08.11.2020</a:t>
+              <a:t>13.11.2020</a:t>
             </a:fld>
             <a:endParaRPr lang="en-US" dirty="0"/>
           </a:p>
@@ -4552,7 +4552,7 @@
             <a:pPr rtl="0"/>
             <a:fld id="{1068A786-B8BF-4988-ACBA-DD9B5BC8D522}" type="datetime1">
               <a:rPr lang="ru-RU" smtClean="0"/>
-              <a:t>08.11.2020</a:t>
+              <a:t>13.11.2020</a:t>
             </a:fld>
             <a:endParaRPr lang="en-US" dirty="0"/>
           </a:p>
@@ -5257,7 +5257,7 @@
           </a:bodyPr>
           <a:lstStyle/>
           <a:p>
-            <a:r>
+            <a:br>
               <a:rPr lang="ru-RU" sz="2400" b="1" dirty="0">
                 <a:solidFill>
                   <a:schemeClr val="accent3">
@@ -5266,7 +5266,17 @@
                 </a:solidFill>
                 <a:latin typeface="Comic Sans MS" panose="030F0702030302020204" pitchFamily="66" charset="0"/>
               </a:rPr>
-              <a:t>Осязание – кнопка</a:t>
+            </a:br>
+            <a:r>
+              <a:rPr lang="ru-RU" sz="2400" b="1" dirty="0">
+                <a:solidFill>
+                  <a:schemeClr val="accent3">
+                    <a:lumMod val="75000"/>
+                  </a:schemeClr>
+                </a:solidFill>
+                <a:latin typeface="Comic Sans MS" panose="030F0702030302020204" pitchFamily="66" charset="0"/>
+              </a:rPr>
+              <a:t>Движение - колеса</a:t>
             </a:r>
             <a:br>
               <a:rPr lang="ru-RU" sz="2400" b="1" dirty="0">
@@ -5297,7 +5307,7 @@
                 </a:solidFill>
                 <a:latin typeface="Comic Sans MS" panose="030F0702030302020204" pitchFamily="66" charset="0"/>
               </a:rPr>
-              <a:t>Голос – динамик</a:t>
+              <a:t>Слух – микрофон</a:t>
             </a:r>
             <a:br>
               <a:rPr lang="ru-RU" sz="2400" b="1" dirty="0">
@@ -5328,7 +5338,7 @@
                 </a:solidFill>
                 <a:latin typeface="Comic Sans MS" panose="030F0702030302020204" pitchFamily="66" charset="0"/>
               </a:rPr>
-              <a:t>Движение - сложные механизмы</a:t>
+              <a:t>Голос – динамик</a:t>
             </a:r>
             <a:br>
               <a:rPr lang="ru-RU" sz="2400" b="1" dirty="0">
@@ -5359,7 +5369,7 @@
                 </a:solidFill>
                 <a:latin typeface="Comic Sans MS" panose="030F0702030302020204" pitchFamily="66" charset="0"/>
               </a:rPr>
-              <a:t>Зрение  - инфракрасные датчики</a:t>
+              <a:t>Осязание – кнопка</a:t>
             </a:r>
             <a:br>
               <a:rPr lang="ru-RU" sz="2400" b="1" dirty="0">
@@ -5390,7 +5400,7 @@
                 </a:solidFill>
                 <a:latin typeface="Comic Sans MS" panose="030F0702030302020204" pitchFamily="66" charset="0"/>
               </a:rPr>
-              <a:t>Антенна – передача данных</a:t>
+              <a:t>Зрение  - инфракрасные датчики</a:t>
             </a:r>
             <a:br>
               <a:rPr lang="ru-RU" sz="2400" b="1" dirty="0">
@@ -5421,7 +5431,7 @@
                 </a:solidFill>
                 <a:latin typeface="Comic Sans MS" panose="030F0702030302020204" pitchFamily="66" charset="0"/>
               </a:rPr>
-              <a:t>Процессор – мозг</a:t>
+              <a:t>Мозг – процессор</a:t>
             </a:r>
             <a:br>
               <a:rPr lang="ru-RU" sz="2400" b="1" dirty="0">
@@ -5466,7 +5476,7 @@
             <a:pPr rtl="0"/>
             <a:fld id="{629C2F20-7994-4D1E-A01C-96ECBA4612EB}" type="datetime1">
               <a:rPr lang="ru-RU" smtClean="0"/>
-              <a:t>08.11.2020</a:t>
+              <a:t>13.11.2020</a:t>
             </a:fld>
             <a:endParaRPr lang="en-US"/>
           </a:p>
@@ -5943,6 +5953,59 @@
                       </p:childTnLst>
                     </p:cTn>
                   </p:par>
+                  <p:par>
+                    <p:cTn id="10" fill="hold">
+                      <p:stCondLst>
+                        <p:cond delay="indefinite"/>
+                      </p:stCondLst>
+                      <p:childTnLst>
+                        <p:par>
+                          <p:cTn id="11" fill="hold">
+                            <p:stCondLst>
+                              <p:cond delay="0"/>
+                            </p:stCondLst>
+                            <p:childTnLst>
+                              <p:par>
+                                <p:cTn id="12" presetID="22" presetClass="entr" presetSubtype="4" fill="hold" grpId="0" nodeType="clickEffect">
+                                  <p:stCondLst>
+                                    <p:cond delay="0"/>
+                                  </p:stCondLst>
+                                  <p:childTnLst>
+                                    <p:set>
+                                      <p:cBhvr>
+                                        <p:cTn id="13" dur="1" fill="hold">
+                                          <p:stCondLst>
+                                            <p:cond delay="0"/>
+                                          </p:stCondLst>
+                                        </p:cTn>
+                                        <p:tgtEl>
+                                          <p:spTgt spid="2"/>
+                                        </p:tgtEl>
+                                        <p:attrNameLst>
+                                          <p:attrName>style.visibility</p:attrName>
+                                        </p:attrNameLst>
+                                      </p:cBhvr>
+                                      <p:to>
+                                        <p:strVal val="visible"/>
+                                      </p:to>
+                                    </p:set>
+                                    <p:animEffect transition="in" filter="wipe(down)">
+                                      <p:cBhvr>
+                                        <p:cTn id="14" dur="500"/>
+                                        <p:tgtEl>
+                                          <p:spTgt spid="2"/>
+                                        </p:tgtEl>
+                                      </p:cBhvr>
+                                    </p:animEffect>
+                                  </p:childTnLst>
+                                </p:cTn>
+                              </p:par>
+                            </p:childTnLst>
+                          </p:cTn>
+                        </p:par>
+                      </p:childTnLst>
+                    </p:cTn>
+                  </p:par>
                 </p:childTnLst>
               </p:cTn>
               <p:prevCondLst>
@@ -5962,7 +6025,7 @@
             </p:seq>
             <p:audio>
               <p:cMediaNode vol="80000">
-                <p:cTn id="10" fill="hold" display="0">
+                <p:cTn id="15" fill="hold" display="0">
                   <p:stCondLst>
                     <p:cond delay="indefinite"/>
                   </p:stCondLst>
@@ -5980,7 +6043,7 @@
               </p:cMediaNode>
             </p:audio>
             <p:seq concurrent="1" nextAc="seek">
-              <p:cTn id="11" restart="whenNotActive" fill="hold" evtFilter="cancelBubble" nodeType="interactiveSeq">
+              <p:cTn id="16" restart="whenNotActive" fill="hold" evtFilter="cancelBubble" nodeType="interactiveSeq">
                 <p:stCondLst>
                   <p:cond evt="onClick" delay="0">
                     <p:tgtEl>
@@ -5993,26 +6056,26 @@
                 </p:endSync>
                 <p:childTnLst>
                   <p:par>
-                    <p:cTn id="12" fill="hold">
+                    <p:cTn id="17" fill="hold">
                       <p:stCondLst>
                         <p:cond delay="0"/>
                       </p:stCondLst>
                       <p:childTnLst>
                         <p:par>
-                          <p:cTn id="13" fill="hold">
+                          <p:cTn id="18" fill="hold">
                             <p:stCondLst>
                               <p:cond delay="0"/>
                             </p:stCondLst>
                             <p:childTnLst>
                               <p:par>
-                                <p:cTn id="14" presetID="1" presetClass="mediacall" presetSubtype="0" fill="hold" nodeType="clickEffect">
+                                <p:cTn id="19" presetID="1" presetClass="mediacall" presetSubtype="0" fill="hold" nodeType="clickEffect">
                                   <p:stCondLst>
                                     <p:cond delay="0"/>
                                   </p:stCondLst>
                                   <p:childTnLst>
                                     <p:cmd type="call" cmd="playFrom(0.0)">
                                       <p:cBhvr>
-                                        <p:cTn id="15" dur="1776" fill="hold"/>
+                                        <p:cTn id="20" dur="1776" fill="hold"/>
                                         <p:tgtEl>
                                           <p:spTgt spid="9"/>
                                         </p:tgtEl>
@@ -6038,7 +6101,7 @@
               </p:nextCondLst>
             </p:seq>
             <p:seq concurrent="1" nextAc="seek">
-              <p:cTn id="16" restart="whenNotActive" fill="hold" evtFilter="cancelBubble" nodeType="interactiveSeq">
+              <p:cTn id="21" restart="whenNotActive" fill="hold" evtFilter="cancelBubble" nodeType="interactiveSeq">
                 <p:stCondLst>
                   <p:cond evt="onClick" delay="0">
                     <p:tgtEl>
@@ -6051,26 +6114,26 @@
                 </p:endSync>
                 <p:childTnLst>
                   <p:par>
-                    <p:cTn id="17" fill="hold">
+                    <p:cTn id="22" fill="hold">
                       <p:stCondLst>
                         <p:cond delay="0"/>
                       </p:stCondLst>
                       <p:childTnLst>
                         <p:par>
-                          <p:cTn id="18" fill="hold">
+                          <p:cTn id="23" fill="hold">
                             <p:stCondLst>
                               <p:cond delay="0"/>
                             </p:stCondLst>
                             <p:childTnLst>
                               <p:par>
-                                <p:cTn id="19" presetID="53" presetClass="entr" presetSubtype="16" fill="hold" grpId="0" nodeType="clickEffect">
+                                <p:cTn id="24" presetID="53" presetClass="entr" presetSubtype="16" fill="hold" grpId="0" nodeType="clickEffect">
                                   <p:stCondLst>
                                     <p:cond delay="0"/>
                                   </p:stCondLst>
                                   <p:childTnLst>
                                     <p:set>
                                       <p:cBhvr>
-                                        <p:cTn id="20" dur="1" fill="hold">
+                                        <p:cTn id="25" dur="1" fill="hold">
                                           <p:stCondLst>
                                             <p:cond delay="0"/>
                                           </p:stCondLst>
@@ -6088,7 +6151,7 @@
                                     </p:set>
                                     <p:anim calcmode="lin" valueType="num">
                                       <p:cBhvr>
-                                        <p:cTn id="21" dur="500" fill="hold"/>
+                                        <p:cTn id="26" dur="500" fill="hold"/>
                                         <p:tgtEl>
                                           <p:spTgt spid="14"/>
                                         </p:tgtEl>
@@ -6111,7 +6174,7 @@
                                     </p:anim>
                                     <p:anim calcmode="lin" valueType="num">
                                       <p:cBhvr>
-                                        <p:cTn id="22" dur="500" fill="hold"/>
+                                        <p:cTn id="27" dur="500" fill="hold"/>
                                         <p:tgtEl>
                                           <p:spTgt spid="14"/>
                                         </p:tgtEl>
@@ -6134,7 +6197,7 @@
                                     </p:anim>
                                     <p:animEffect transition="in" filter="fade">
                                       <p:cBhvr>
-                                        <p:cTn id="23" dur="500"/>
+                                        <p:cTn id="28" dur="500"/>
                                         <p:tgtEl>
                                           <p:spTgt spid="14"/>
                                         </p:tgtEl>
@@ -6164,6 +6227,7 @@
       </p:par>
     </p:tnLst>
     <p:bldLst>
+      <p:bldP spid="2" grpId="0"/>
       <p:bldP spid="10" grpId="0" animBg="1"/>
       <p:bldP spid="14" grpId="0" animBg="1"/>
     </p:bldLst>
@@ -6172,6 +6236,425 @@
 </file>
 
 <file path=ppt/slides/slide3.xml><?xml version="1.0" encoding="utf-8"?>
+<p:sld xmlns:a="http://schemas.openxmlformats.org/drawingml/2006/main" xmlns:r="http://schemas.openxmlformats.org/officeDocument/2006/relationships" xmlns:p="http://schemas.openxmlformats.org/presentationml/2006/main">
+  <p:cSld>
+    <p:bg>
+      <p:bgPr>
+        <a:solidFill>
+          <a:schemeClr val="bg1"/>
+        </a:solidFill>
+        <a:effectLst/>
+      </p:bgPr>
+    </p:bg>
+    <p:spTree>
+      <p:nvGrpSpPr>
+        <p:cNvPr id="1" name=""/>
+        <p:cNvGrpSpPr/>
+        <p:nvPr/>
+      </p:nvGrpSpPr>
+      <p:grpSpPr>
+        <a:xfrm>
+          <a:off x="0" y="0"/>
+          <a:ext cx="0" cy="0"/>
+          <a:chOff x="0" y="0"/>
+          <a:chExt cx="0" cy="0"/>
+        </a:xfrm>
+      </p:grpSpPr>
+      <p:sp>
+        <p:nvSpPr>
+          <p:cNvPr id="5" name="Заголовок 4">
+            <a:extLst>
+              <a:ext uri="{FF2B5EF4-FFF2-40B4-BE49-F238E27FC236}">
+                <a16:creationId xmlns:a16="http://schemas.microsoft.com/office/drawing/2014/main" id="{80441B83-71BD-4B2D-A857-80657CE23256}"/>
+              </a:ext>
+            </a:extLst>
+          </p:cNvPr>
+          <p:cNvSpPr>
+            <a:spLocks noGrp="1"/>
+          </p:cNvSpPr>
+          <p:nvPr>
+            <p:ph type="title"/>
+          </p:nvPr>
+        </p:nvSpPr>
+        <p:spPr>
+          <a:xfrm>
+            <a:off x="1036246" y="650467"/>
+            <a:ext cx="7187879" cy="1114691"/>
+          </a:xfrm>
+        </p:spPr>
+        <p:txBody>
+          <a:bodyPr>
+            <a:normAutofit/>
+          </a:bodyPr>
+          <a:lstStyle/>
+          <a:p>
+            <a:pPr algn="ctr"/>
+            <a:r>
+              <a:rPr lang="ru-RU" b="1" dirty="0">
+                <a:solidFill>
+                  <a:srgbClr val="4D71B7"/>
+                </a:solidFill>
+                <a:latin typeface="Segoe Print" panose="02000600000000000000" pitchFamily="2" charset="0"/>
+              </a:rPr>
+              <a:t>Процесс создания робота</a:t>
+            </a:r>
+          </a:p>
+        </p:txBody>
+      </p:sp>
+      <p:sp>
+        <p:nvSpPr>
+          <p:cNvPr id="6" name="TextBox 5">
+            <a:extLst>
+              <a:ext uri="{FF2B5EF4-FFF2-40B4-BE49-F238E27FC236}">
+                <a16:creationId xmlns:a16="http://schemas.microsoft.com/office/drawing/2014/main" id="{328E7ADB-500E-491E-8392-7D37613D2C4D}"/>
+              </a:ext>
+            </a:extLst>
+          </p:cNvPr>
+          <p:cNvSpPr txBox="1"/>
+          <p:nvPr/>
+        </p:nvSpPr>
+        <p:spPr>
+          <a:xfrm>
+            <a:off x="5669171" y="4953826"/>
+            <a:ext cx="1643399" cy="461665"/>
+          </a:xfrm>
+          <a:prstGeom prst="rect">
+            <a:avLst/>
+          </a:prstGeom>
+          <a:noFill/>
+        </p:spPr>
+        <p:txBody>
+          <a:bodyPr wrap="none" rtlCol="0">
+            <a:spAutoFit/>
+          </a:bodyPr>
+          <a:lstStyle/>
+          <a:p>
+            <a:r>
+              <a:rPr lang="ru-RU" sz="2400" b="1" dirty="0">
+                <a:solidFill>
+                  <a:schemeClr val="tx1">
+                    <a:lumMod val="75000"/>
+                    <a:lumOff val="25000"/>
+                  </a:schemeClr>
+                </a:solidFill>
+                <a:latin typeface="Comic Sans MS" panose="030F0702030302020204" pitchFamily="66" charset="0"/>
+              </a:rPr>
+              <a:t>Оболочка</a:t>
+            </a:r>
+          </a:p>
+        </p:txBody>
+      </p:sp>
+      <p:sp>
+        <p:nvSpPr>
+          <p:cNvPr id="7" name="TextBox 6">
+            <a:extLst>
+              <a:ext uri="{FF2B5EF4-FFF2-40B4-BE49-F238E27FC236}">
+                <a16:creationId xmlns:a16="http://schemas.microsoft.com/office/drawing/2014/main" id="{C276749F-5AAD-42AA-B34B-1372151626E7}"/>
+              </a:ext>
+            </a:extLst>
+          </p:cNvPr>
+          <p:cNvSpPr txBox="1"/>
+          <p:nvPr/>
+        </p:nvSpPr>
+        <p:spPr>
+          <a:xfrm>
+            <a:off x="1296460" y="4953826"/>
+            <a:ext cx="1915909" cy="461665"/>
+          </a:xfrm>
+          <a:prstGeom prst="rect">
+            <a:avLst/>
+          </a:prstGeom>
+          <a:noFill/>
+        </p:spPr>
+        <p:txBody>
+          <a:bodyPr wrap="none" rtlCol="0">
+            <a:spAutoFit/>
+          </a:bodyPr>
+          <a:lstStyle/>
+          <a:p>
+            <a:r>
+              <a:rPr lang="ru-RU" sz="2400" b="1" dirty="0">
+                <a:solidFill>
+                  <a:schemeClr val="tx1">
+                    <a:lumMod val="75000"/>
+                    <a:lumOff val="25000"/>
+                  </a:schemeClr>
+                </a:solidFill>
+                <a:latin typeface="Comic Sans MS" panose="030F0702030302020204" pitchFamily="66" charset="0"/>
+              </a:rPr>
+              <a:t>Программа</a:t>
+            </a:r>
+          </a:p>
+        </p:txBody>
+      </p:sp>
+      <p:sp>
+        <p:nvSpPr>
+          <p:cNvPr id="11" name="TextBox 10">
+            <a:extLst>
+              <a:ext uri="{FF2B5EF4-FFF2-40B4-BE49-F238E27FC236}">
+                <a16:creationId xmlns:a16="http://schemas.microsoft.com/office/drawing/2014/main" id="{E97D0011-8941-4555-B446-7DDFB20ABD82}"/>
+              </a:ext>
+            </a:extLst>
+          </p:cNvPr>
+          <p:cNvSpPr txBox="1"/>
+          <p:nvPr/>
+        </p:nvSpPr>
+        <p:spPr>
+          <a:xfrm>
+            <a:off x="8988914" y="4953827"/>
+            <a:ext cx="2428870" cy="461665"/>
+          </a:xfrm>
+          <a:prstGeom prst="rect">
+            <a:avLst/>
+          </a:prstGeom>
+          <a:noFill/>
+        </p:spPr>
+        <p:txBody>
+          <a:bodyPr wrap="none" rtlCol="0">
+            <a:spAutoFit/>
+          </a:bodyPr>
+          <a:lstStyle/>
+          <a:p>
+            <a:r>
+              <a:rPr lang="ru-RU" sz="2400" b="1" dirty="0">
+                <a:solidFill>
+                  <a:schemeClr val="tx1">
+                    <a:lumMod val="75000"/>
+                    <a:lumOff val="25000"/>
+                  </a:schemeClr>
+                </a:solidFill>
+                <a:latin typeface="Comic Sans MS" panose="030F0702030302020204" pitchFamily="66" charset="0"/>
+              </a:rPr>
+              <a:t>Готовый робот</a:t>
+            </a:r>
+          </a:p>
+        </p:txBody>
+      </p:sp>
+      <p:pic>
+        <p:nvPicPr>
+          <p:cNvPr id="4" name="Рисунок 3">
+            <a:extLst>
+              <a:ext uri="{FF2B5EF4-FFF2-40B4-BE49-F238E27FC236}">
+                <a16:creationId xmlns:a16="http://schemas.microsoft.com/office/drawing/2014/main" id="{42CBAE2E-B806-49AC-8BF4-18DD52F08E2C}"/>
+              </a:ext>
+            </a:extLst>
+          </p:cNvPr>
+          <p:cNvPicPr>
+            <a:picLocks noChangeAspect="1"/>
+          </p:cNvPicPr>
+          <p:nvPr/>
+        </p:nvPicPr>
+        <p:blipFill>
+          <a:blip r:embed="rId2">
+            <a:extLst>
+              <a:ext uri="{28A0092B-C50C-407E-A947-70E740481C1C}">
+                <a14:useLocalDpi xmlns:a14="http://schemas.microsoft.com/office/drawing/2010/main" val="0"/>
+              </a:ext>
+            </a:extLst>
+          </a:blip>
+          <a:stretch>
+            <a:fillRect/>
+          </a:stretch>
+        </p:blipFill>
+        <p:spPr>
+          <a:xfrm>
+            <a:off x="8895869" y="2008485"/>
+            <a:ext cx="2521915" cy="2521915"/>
+          </a:xfrm>
+          <a:prstGeom prst="rect">
+            <a:avLst/>
+          </a:prstGeom>
+        </p:spPr>
+      </p:pic>
+      <p:pic>
+        <p:nvPicPr>
+          <p:cNvPr id="9" name="Рисунок 8">
+            <a:extLst>
+              <a:ext uri="{FF2B5EF4-FFF2-40B4-BE49-F238E27FC236}">
+                <a16:creationId xmlns:a16="http://schemas.microsoft.com/office/drawing/2014/main" id="{3DB52825-9FA6-4398-AC55-311A88BDD642}"/>
+              </a:ext>
+            </a:extLst>
+          </p:cNvPr>
+          <p:cNvPicPr>
+            <a:picLocks noChangeAspect="1"/>
+          </p:cNvPicPr>
+          <p:nvPr/>
+        </p:nvPicPr>
+        <p:blipFill rotWithShape="1">
+          <a:blip r:embed="rId3"/>
+          <a:srcRect l="44223" t="33203" r="32331" b="18439"/>
+          <a:stretch/>
+        </p:blipFill>
+        <p:spPr>
+          <a:xfrm>
+            <a:off x="5420834" y="2455473"/>
+            <a:ext cx="1891736" cy="2193702"/>
+          </a:xfrm>
+          <a:prstGeom prst="rect">
+            <a:avLst/>
+          </a:prstGeom>
+        </p:spPr>
+      </p:pic>
+      <p:pic>
+        <p:nvPicPr>
+          <p:cNvPr id="12" name="Рисунок 11">
+            <a:extLst>
+              <a:ext uri="{FF2B5EF4-FFF2-40B4-BE49-F238E27FC236}">
+                <a16:creationId xmlns:a16="http://schemas.microsoft.com/office/drawing/2014/main" id="{7D48F2F9-404D-4599-859F-32B6D05C9DB7}"/>
+              </a:ext>
+            </a:extLst>
+          </p:cNvPr>
+          <p:cNvPicPr>
+            <a:picLocks noChangeAspect="1"/>
+          </p:cNvPicPr>
+          <p:nvPr/>
+        </p:nvPicPr>
+        <p:blipFill>
+          <a:blip r:embed="rId4"/>
+          <a:stretch>
+            <a:fillRect/>
+          </a:stretch>
+        </p:blipFill>
+        <p:spPr>
+          <a:xfrm>
+            <a:off x="1374783" y="2747845"/>
+            <a:ext cx="1759264" cy="1788164"/>
+          </a:xfrm>
+          <a:prstGeom prst="rect">
+            <a:avLst/>
+          </a:prstGeom>
+        </p:spPr>
+      </p:pic>
+      <p:sp>
+        <p:nvSpPr>
+          <p:cNvPr id="13" name="Знак ''плюс'' 12">
+            <a:extLst>
+              <a:ext uri="{FF2B5EF4-FFF2-40B4-BE49-F238E27FC236}">
+                <a16:creationId xmlns:a16="http://schemas.microsoft.com/office/drawing/2014/main" id="{ABC48F9C-AD34-4A87-AE11-826171CBCFAE}"/>
+              </a:ext>
+            </a:extLst>
+          </p:cNvPr>
+          <p:cNvSpPr/>
+          <p:nvPr/>
+        </p:nvSpPr>
+        <p:spPr>
+          <a:xfrm>
+            <a:off x="3651632" y="3286527"/>
+            <a:ext cx="978554" cy="901148"/>
+          </a:xfrm>
+          <a:prstGeom prst="mathPlus">
+            <a:avLst/>
+          </a:prstGeom>
+          <a:solidFill>
+            <a:srgbClr val="DE5764"/>
+          </a:solidFill>
+          <a:ln>
+            <a:solidFill>
+              <a:srgbClr val="4D71B7"/>
+            </a:solidFill>
+          </a:ln>
+        </p:spPr>
+        <p:style>
+          <a:lnRef idx="2">
+            <a:schemeClr val="accent1">
+              <a:shade val="50000"/>
+            </a:schemeClr>
+          </a:lnRef>
+          <a:fillRef idx="1">
+            <a:schemeClr val="accent1"/>
+          </a:fillRef>
+          <a:effectRef idx="0">
+            <a:schemeClr val="accent1"/>
+          </a:effectRef>
+          <a:fontRef idx="minor">
+            <a:schemeClr val="lt1"/>
+          </a:fontRef>
+        </p:style>
+        <p:txBody>
+          <a:bodyPr rtlCol="0" anchor="ctr"/>
+          <a:lstStyle/>
+          <a:p>
+            <a:pPr algn="ctr"/>
+            <a:endParaRPr lang="ru-RU">
+              <a:solidFill>
+                <a:srgbClr val="96DAFF"/>
+              </a:solidFill>
+            </a:endParaRPr>
+          </a:p>
+        </p:txBody>
+      </p:sp>
+      <p:sp>
+        <p:nvSpPr>
+          <p:cNvPr id="17" name="Равно 16">
+            <a:extLst>
+              <a:ext uri="{FF2B5EF4-FFF2-40B4-BE49-F238E27FC236}">
+                <a16:creationId xmlns:a16="http://schemas.microsoft.com/office/drawing/2014/main" id="{E726C58F-EAED-46A3-A43A-EEA5849C79D0}"/>
+              </a:ext>
+            </a:extLst>
+          </p:cNvPr>
+          <p:cNvSpPr/>
+          <p:nvPr/>
+        </p:nvSpPr>
+        <p:spPr>
+          <a:xfrm>
+            <a:off x="7955245" y="3396673"/>
+            <a:ext cx="1033669" cy="680855"/>
+          </a:xfrm>
+          <a:prstGeom prst="mathEqual">
+            <a:avLst/>
+          </a:prstGeom>
+          <a:solidFill>
+            <a:srgbClr val="DE5764"/>
+          </a:solidFill>
+          <a:ln>
+            <a:solidFill>
+              <a:srgbClr val="4D71B7"/>
+            </a:solidFill>
+          </a:ln>
+        </p:spPr>
+        <p:style>
+          <a:lnRef idx="2">
+            <a:schemeClr val="accent1">
+              <a:shade val="50000"/>
+            </a:schemeClr>
+          </a:lnRef>
+          <a:fillRef idx="1">
+            <a:schemeClr val="accent1"/>
+          </a:fillRef>
+          <a:effectRef idx="0">
+            <a:schemeClr val="accent1"/>
+          </a:effectRef>
+          <a:fontRef idx="minor">
+            <a:schemeClr val="lt1"/>
+          </a:fontRef>
+        </p:style>
+        <p:txBody>
+          <a:bodyPr rtlCol="0" anchor="ctr"/>
+          <a:lstStyle/>
+          <a:p>
+            <a:pPr algn="ctr"/>
+            <a:endParaRPr lang="ru-RU">
+              <a:solidFill>
+                <a:srgbClr val="DE5764"/>
+              </a:solidFill>
+            </a:endParaRPr>
+          </a:p>
+        </p:txBody>
+      </p:sp>
+    </p:spTree>
+    <p:extLst>
+      <p:ext uri="{BB962C8B-B14F-4D97-AF65-F5344CB8AC3E}">
+        <p14:creationId xmlns:p14="http://schemas.microsoft.com/office/powerpoint/2010/main" val="3214613232"/>
+      </p:ext>
+    </p:extLst>
+  </p:cSld>
+  <p:clrMapOvr>
+    <a:masterClrMapping/>
+  </p:clrMapOvr>
+</p:sld>
+</file>
+
+<file path=ppt/slides/slide4.xml><?xml version="1.0" encoding="utf-8"?>
 <p:sld xmlns:a="http://schemas.openxmlformats.org/drawingml/2006/main" xmlns:r="http://schemas.openxmlformats.org/officeDocument/2006/relationships" xmlns:p="http://schemas.openxmlformats.org/presentationml/2006/main">
   <p:cSld>
     <p:bg>
@@ -6418,425 +6901,6 @@
     <p:extLst>
       <p:ext uri="{BB962C8B-B14F-4D97-AF65-F5344CB8AC3E}">
         <p14:creationId xmlns:p14="http://schemas.microsoft.com/office/powerpoint/2010/main" val="2785590446"/>
-      </p:ext>
-    </p:extLst>
-  </p:cSld>
-  <p:clrMapOvr>
-    <a:masterClrMapping/>
-  </p:clrMapOvr>
-</p:sld>
-</file>
-
-<file path=ppt/slides/slide4.xml><?xml version="1.0" encoding="utf-8"?>
-<p:sld xmlns:a="http://schemas.openxmlformats.org/drawingml/2006/main" xmlns:r="http://schemas.openxmlformats.org/officeDocument/2006/relationships" xmlns:p="http://schemas.openxmlformats.org/presentationml/2006/main">
-  <p:cSld>
-    <p:bg>
-      <p:bgPr>
-        <a:solidFill>
-          <a:schemeClr val="bg1"/>
-        </a:solidFill>
-        <a:effectLst/>
-      </p:bgPr>
-    </p:bg>
-    <p:spTree>
-      <p:nvGrpSpPr>
-        <p:cNvPr id="1" name=""/>
-        <p:cNvGrpSpPr/>
-        <p:nvPr/>
-      </p:nvGrpSpPr>
-      <p:grpSpPr>
-        <a:xfrm>
-          <a:off x="0" y="0"/>
-          <a:ext cx="0" cy="0"/>
-          <a:chOff x="0" y="0"/>
-          <a:chExt cx="0" cy="0"/>
-        </a:xfrm>
-      </p:grpSpPr>
-      <p:sp>
-        <p:nvSpPr>
-          <p:cNvPr id="5" name="Заголовок 4">
-            <a:extLst>
-              <a:ext uri="{FF2B5EF4-FFF2-40B4-BE49-F238E27FC236}">
-                <a16:creationId xmlns:a16="http://schemas.microsoft.com/office/drawing/2014/main" id="{80441B83-71BD-4B2D-A857-80657CE23256}"/>
-              </a:ext>
-            </a:extLst>
-          </p:cNvPr>
-          <p:cNvSpPr>
-            <a:spLocks noGrp="1"/>
-          </p:cNvSpPr>
-          <p:nvPr>
-            <p:ph type="title"/>
-          </p:nvPr>
-        </p:nvSpPr>
-        <p:spPr>
-          <a:xfrm>
-            <a:off x="1036246" y="650467"/>
-            <a:ext cx="7187879" cy="1114691"/>
-          </a:xfrm>
-        </p:spPr>
-        <p:txBody>
-          <a:bodyPr>
-            <a:normAutofit/>
-          </a:bodyPr>
-          <a:lstStyle/>
-          <a:p>
-            <a:pPr algn="ctr"/>
-            <a:r>
-              <a:rPr lang="ru-RU" b="1" dirty="0">
-                <a:solidFill>
-                  <a:srgbClr val="4D71B7"/>
-                </a:solidFill>
-                <a:latin typeface="Segoe Print" panose="02000600000000000000" pitchFamily="2" charset="0"/>
-              </a:rPr>
-              <a:t>Процесс создания робота</a:t>
-            </a:r>
-          </a:p>
-        </p:txBody>
-      </p:sp>
-      <p:sp>
-        <p:nvSpPr>
-          <p:cNvPr id="6" name="TextBox 5">
-            <a:extLst>
-              <a:ext uri="{FF2B5EF4-FFF2-40B4-BE49-F238E27FC236}">
-                <a16:creationId xmlns:a16="http://schemas.microsoft.com/office/drawing/2014/main" id="{328E7ADB-500E-491E-8392-7D37613D2C4D}"/>
-              </a:ext>
-            </a:extLst>
-          </p:cNvPr>
-          <p:cNvSpPr txBox="1"/>
-          <p:nvPr/>
-        </p:nvSpPr>
-        <p:spPr>
-          <a:xfrm>
-            <a:off x="1432717" y="4953825"/>
-            <a:ext cx="1643399" cy="461665"/>
-          </a:xfrm>
-          <a:prstGeom prst="rect">
-            <a:avLst/>
-          </a:prstGeom>
-          <a:noFill/>
-        </p:spPr>
-        <p:txBody>
-          <a:bodyPr wrap="none" rtlCol="0">
-            <a:spAutoFit/>
-          </a:bodyPr>
-          <a:lstStyle/>
-          <a:p>
-            <a:r>
-              <a:rPr lang="ru-RU" sz="2400" b="1" dirty="0">
-                <a:solidFill>
-                  <a:schemeClr val="tx1">
-                    <a:lumMod val="75000"/>
-                    <a:lumOff val="25000"/>
-                  </a:schemeClr>
-                </a:solidFill>
-                <a:latin typeface="Comic Sans MS" panose="030F0702030302020204" pitchFamily="66" charset="0"/>
-              </a:rPr>
-              <a:t>Оболочка</a:t>
-            </a:r>
-          </a:p>
-        </p:txBody>
-      </p:sp>
-      <p:sp>
-        <p:nvSpPr>
-          <p:cNvPr id="7" name="TextBox 6">
-            <a:extLst>
-              <a:ext uri="{FF2B5EF4-FFF2-40B4-BE49-F238E27FC236}">
-                <a16:creationId xmlns:a16="http://schemas.microsoft.com/office/drawing/2014/main" id="{C276749F-5AAD-42AA-B34B-1372151626E7}"/>
-              </a:ext>
-            </a:extLst>
-          </p:cNvPr>
-          <p:cNvSpPr txBox="1"/>
-          <p:nvPr/>
-        </p:nvSpPr>
-        <p:spPr>
-          <a:xfrm>
-            <a:off x="5437324" y="4953825"/>
-            <a:ext cx="1665841" cy="461665"/>
-          </a:xfrm>
-          <a:prstGeom prst="rect">
-            <a:avLst/>
-          </a:prstGeom>
-          <a:noFill/>
-        </p:spPr>
-        <p:txBody>
-          <a:bodyPr wrap="none" rtlCol="0">
-            <a:spAutoFit/>
-          </a:bodyPr>
-          <a:lstStyle/>
-          <a:p>
-            <a:r>
-              <a:rPr lang="ru-RU" sz="2400" b="1" dirty="0">
-                <a:solidFill>
-                  <a:schemeClr val="tx1">
-                    <a:lumMod val="75000"/>
-                    <a:lumOff val="25000"/>
-                  </a:schemeClr>
-                </a:solidFill>
-                <a:latin typeface="Comic Sans MS" panose="030F0702030302020204" pitchFamily="66" charset="0"/>
-              </a:rPr>
-              <a:t>Алгоритм</a:t>
-            </a:r>
-          </a:p>
-        </p:txBody>
-      </p:sp>
-      <p:sp>
-        <p:nvSpPr>
-          <p:cNvPr id="11" name="TextBox 10">
-            <a:extLst>
-              <a:ext uri="{FF2B5EF4-FFF2-40B4-BE49-F238E27FC236}">
-                <a16:creationId xmlns:a16="http://schemas.microsoft.com/office/drawing/2014/main" id="{E97D0011-8941-4555-B446-7DDFB20ABD82}"/>
-              </a:ext>
-            </a:extLst>
-          </p:cNvPr>
-          <p:cNvSpPr txBox="1"/>
-          <p:nvPr/>
-        </p:nvSpPr>
-        <p:spPr>
-          <a:xfrm>
-            <a:off x="8988914" y="4953827"/>
-            <a:ext cx="2428870" cy="461665"/>
-          </a:xfrm>
-          <a:prstGeom prst="rect">
-            <a:avLst/>
-          </a:prstGeom>
-          <a:noFill/>
-        </p:spPr>
-        <p:txBody>
-          <a:bodyPr wrap="none" rtlCol="0">
-            <a:spAutoFit/>
-          </a:bodyPr>
-          <a:lstStyle/>
-          <a:p>
-            <a:r>
-              <a:rPr lang="ru-RU" sz="2400" b="1" dirty="0">
-                <a:solidFill>
-                  <a:schemeClr val="tx1">
-                    <a:lumMod val="75000"/>
-                    <a:lumOff val="25000"/>
-                  </a:schemeClr>
-                </a:solidFill>
-                <a:latin typeface="Comic Sans MS" panose="030F0702030302020204" pitchFamily="66" charset="0"/>
-              </a:rPr>
-              <a:t>Готовый робот</a:t>
-            </a:r>
-          </a:p>
-        </p:txBody>
-      </p:sp>
-      <p:pic>
-        <p:nvPicPr>
-          <p:cNvPr id="4" name="Рисунок 3">
-            <a:extLst>
-              <a:ext uri="{FF2B5EF4-FFF2-40B4-BE49-F238E27FC236}">
-                <a16:creationId xmlns:a16="http://schemas.microsoft.com/office/drawing/2014/main" id="{42CBAE2E-B806-49AC-8BF4-18DD52F08E2C}"/>
-              </a:ext>
-            </a:extLst>
-          </p:cNvPr>
-          <p:cNvPicPr>
-            <a:picLocks noChangeAspect="1"/>
-          </p:cNvPicPr>
-          <p:nvPr/>
-        </p:nvPicPr>
-        <p:blipFill>
-          <a:blip r:embed="rId2">
-            <a:extLst>
-              <a:ext uri="{28A0092B-C50C-407E-A947-70E740481C1C}">
-                <a14:useLocalDpi xmlns:a14="http://schemas.microsoft.com/office/drawing/2010/main" val="0"/>
-              </a:ext>
-            </a:extLst>
-          </a:blip>
-          <a:stretch>
-            <a:fillRect/>
-          </a:stretch>
-        </p:blipFill>
-        <p:spPr>
-          <a:xfrm>
-            <a:off x="8895869" y="2008485"/>
-            <a:ext cx="2521915" cy="2521915"/>
-          </a:xfrm>
-          <a:prstGeom prst="rect">
-            <a:avLst/>
-          </a:prstGeom>
-        </p:spPr>
-      </p:pic>
-      <p:pic>
-        <p:nvPicPr>
-          <p:cNvPr id="9" name="Рисунок 8">
-            <a:extLst>
-              <a:ext uri="{FF2B5EF4-FFF2-40B4-BE49-F238E27FC236}">
-                <a16:creationId xmlns:a16="http://schemas.microsoft.com/office/drawing/2014/main" id="{3DB52825-9FA6-4398-AC55-311A88BDD642}"/>
-              </a:ext>
-            </a:extLst>
-          </p:cNvPr>
-          <p:cNvPicPr>
-            <a:picLocks noChangeAspect="1"/>
-          </p:cNvPicPr>
-          <p:nvPr/>
-        </p:nvPicPr>
-        <p:blipFill rotWithShape="1">
-          <a:blip r:embed="rId3"/>
-          <a:srcRect l="44223" t="33203" r="32331" b="18439"/>
-          <a:stretch/>
-        </p:blipFill>
-        <p:spPr>
-          <a:xfrm>
-            <a:off x="1308549" y="2447065"/>
-            <a:ext cx="1891736" cy="2193702"/>
-          </a:xfrm>
-          <a:prstGeom prst="rect">
-            <a:avLst/>
-          </a:prstGeom>
-        </p:spPr>
-      </p:pic>
-      <p:pic>
-        <p:nvPicPr>
-          <p:cNvPr id="12" name="Рисунок 11">
-            <a:extLst>
-              <a:ext uri="{FF2B5EF4-FFF2-40B4-BE49-F238E27FC236}">
-                <a16:creationId xmlns:a16="http://schemas.microsoft.com/office/drawing/2014/main" id="{7D48F2F9-404D-4599-859F-32B6D05C9DB7}"/>
-              </a:ext>
-            </a:extLst>
-          </p:cNvPr>
-          <p:cNvPicPr>
-            <a:picLocks noChangeAspect="1"/>
-          </p:cNvPicPr>
-          <p:nvPr/>
-        </p:nvPicPr>
-        <p:blipFill>
-          <a:blip r:embed="rId4"/>
-          <a:stretch>
-            <a:fillRect/>
-          </a:stretch>
-        </p:blipFill>
-        <p:spPr>
-          <a:xfrm>
-            <a:off x="5343901" y="2843019"/>
-            <a:ext cx="1759264" cy="1788164"/>
-          </a:xfrm>
-          <a:prstGeom prst="rect">
-            <a:avLst/>
-          </a:prstGeom>
-        </p:spPr>
-      </p:pic>
-      <p:sp>
-        <p:nvSpPr>
-          <p:cNvPr id="13" name="Знак ''плюс'' 12">
-            <a:extLst>
-              <a:ext uri="{FF2B5EF4-FFF2-40B4-BE49-F238E27FC236}">
-                <a16:creationId xmlns:a16="http://schemas.microsoft.com/office/drawing/2014/main" id="{ABC48F9C-AD34-4A87-AE11-826171CBCFAE}"/>
-              </a:ext>
-            </a:extLst>
-          </p:cNvPr>
-          <p:cNvSpPr/>
-          <p:nvPr/>
-        </p:nvSpPr>
-        <p:spPr>
-          <a:xfrm>
-            <a:off x="3651632" y="3286527"/>
-            <a:ext cx="978554" cy="901148"/>
-          </a:xfrm>
-          <a:prstGeom prst="mathPlus">
-            <a:avLst/>
-          </a:prstGeom>
-          <a:solidFill>
-            <a:srgbClr val="DE5764"/>
-          </a:solidFill>
-          <a:ln>
-            <a:solidFill>
-              <a:srgbClr val="4D71B7"/>
-            </a:solidFill>
-          </a:ln>
-        </p:spPr>
-        <p:style>
-          <a:lnRef idx="2">
-            <a:schemeClr val="accent1">
-              <a:shade val="50000"/>
-            </a:schemeClr>
-          </a:lnRef>
-          <a:fillRef idx="1">
-            <a:schemeClr val="accent1"/>
-          </a:fillRef>
-          <a:effectRef idx="0">
-            <a:schemeClr val="accent1"/>
-          </a:effectRef>
-          <a:fontRef idx="minor">
-            <a:schemeClr val="lt1"/>
-          </a:fontRef>
-        </p:style>
-        <p:txBody>
-          <a:bodyPr rtlCol="0" anchor="ctr"/>
-          <a:lstStyle/>
-          <a:p>
-            <a:pPr algn="ctr"/>
-            <a:endParaRPr lang="ru-RU">
-              <a:solidFill>
-                <a:srgbClr val="96DAFF"/>
-              </a:solidFill>
-            </a:endParaRPr>
-          </a:p>
-        </p:txBody>
-      </p:sp>
-      <p:sp>
-        <p:nvSpPr>
-          <p:cNvPr id="17" name="Равно 16">
-            <a:extLst>
-              <a:ext uri="{FF2B5EF4-FFF2-40B4-BE49-F238E27FC236}">
-                <a16:creationId xmlns:a16="http://schemas.microsoft.com/office/drawing/2014/main" id="{E726C58F-EAED-46A3-A43A-EEA5849C79D0}"/>
-              </a:ext>
-            </a:extLst>
-          </p:cNvPr>
-          <p:cNvSpPr/>
-          <p:nvPr/>
-        </p:nvSpPr>
-        <p:spPr>
-          <a:xfrm>
-            <a:off x="7955245" y="3396673"/>
-            <a:ext cx="1033669" cy="680855"/>
-          </a:xfrm>
-          <a:prstGeom prst="mathEqual">
-            <a:avLst/>
-          </a:prstGeom>
-          <a:solidFill>
-            <a:srgbClr val="DE5764"/>
-          </a:solidFill>
-          <a:ln>
-            <a:solidFill>
-              <a:srgbClr val="4D71B7"/>
-            </a:solidFill>
-          </a:ln>
-        </p:spPr>
-        <p:style>
-          <a:lnRef idx="2">
-            <a:schemeClr val="accent1">
-              <a:shade val="50000"/>
-            </a:schemeClr>
-          </a:lnRef>
-          <a:fillRef idx="1">
-            <a:schemeClr val="accent1"/>
-          </a:fillRef>
-          <a:effectRef idx="0">
-            <a:schemeClr val="accent1"/>
-          </a:effectRef>
-          <a:fontRef idx="minor">
-            <a:schemeClr val="lt1"/>
-          </a:fontRef>
-        </p:style>
-        <p:txBody>
-          <a:bodyPr rtlCol="0" anchor="ctr"/>
-          <a:lstStyle/>
-          <a:p>
-            <a:pPr algn="ctr"/>
-            <a:endParaRPr lang="ru-RU">
-              <a:solidFill>
-                <a:srgbClr val="DE5764"/>
-              </a:solidFill>
-            </a:endParaRPr>
-          </a:p>
-        </p:txBody>
-      </p:sp>
-    </p:spTree>
-    <p:extLst>
-      <p:ext uri="{BB962C8B-B14F-4D97-AF65-F5344CB8AC3E}">
-        <p14:creationId xmlns:p14="http://schemas.microsoft.com/office/powerpoint/2010/main" val="3214613232"/>
       </p:ext>
     </p:extLst>
   </p:cSld>
@@ -7200,7 +7264,7 @@
         </p:nvSpPr>
         <p:spPr>
           <a:xfrm>
-            <a:off x="9267505" y="2338195"/>
+            <a:off x="9267505" y="4724935"/>
             <a:ext cx="2164466" cy="461665"/>
           </a:xfrm>
           <a:prstGeom prst="rect">
@@ -7248,7 +7312,7 @@
         </p:nvSpPr>
         <p:spPr>
           <a:xfrm>
-            <a:off x="9267505" y="4724935"/>
+            <a:off x="9267505" y="5611626"/>
             <a:ext cx="2164466" cy="461665"/>
           </a:xfrm>
           <a:prstGeom prst="rect">
@@ -7595,6 +7659,76 @@
                 </a:solidFill>
               </a:rPr>
               <a:t>Приветствие</a:t>
+            </a:r>
+          </a:p>
+        </p:txBody>
+      </p:sp>
+      <p:sp>
+        <p:nvSpPr>
+          <p:cNvPr id="4" name="TextBox 3">
+            <a:extLst>
+              <a:ext uri="{FF2B5EF4-FFF2-40B4-BE49-F238E27FC236}">
+                <a16:creationId xmlns:a16="http://schemas.microsoft.com/office/drawing/2014/main" id="{3DFD8012-D5DF-4D1E-B560-78BDB24B169A}"/>
+              </a:ext>
+            </a:extLst>
+          </p:cNvPr>
+          <p:cNvSpPr txBox="1"/>
+          <p:nvPr/>
+        </p:nvSpPr>
+        <p:spPr>
+          <a:xfrm>
+            <a:off x="5052540" y="3289369"/>
+            <a:ext cx="529312" cy="369332"/>
+          </a:xfrm>
+          <a:prstGeom prst="rect">
+            <a:avLst/>
+          </a:prstGeom>
+          <a:noFill/>
+        </p:spPr>
+        <p:txBody>
+          <a:bodyPr wrap="none" rtlCol="0">
+            <a:spAutoFit/>
+          </a:bodyPr>
+          <a:lstStyle/>
+          <a:p>
+            <a:r>
+              <a:rPr lang="ru-RU" dirty="0"/>
+              <a:t>ДА</a:t>
+            </a:r>
+          </a:p>
+        </p:txBody>
+      </p:sp>
+      <p:sp>
+        <p:nvSpPr>
+          <p:cNvPr id="13" name="TextBox 12">
+            <a:extLst>
+              <a:ext uri="{FF2B5EF4-FFF2-40B4-BE49-F238E27FC236}">
+                <a16:creationId xmlns:a16="http://schemas.microsoft.com/office/drawing/2014/main" id="{2D592B9D-27C2-4D13-A62D-36C9F0E3DD0A}"/>
+              </a:ext>
+            </a:extLst>
+          </p:cNvPr>
+          <p:cNvSpPr txBox="1"/>
+          <p:nvPr/>
+        </p:nvSpPr>
+        <p:spPr>
+          <a:xfrm>
+            <a:off x="2169449" y="4413111"/>
+            <a:ext cx="562975" cy="369332"/>
+          </a:xfrm>
+          <a:prstGeom prst="rect">
+            <a:avLst/>
+          </a:prstGeom>
+          <a:noFill/>
+        </p:spPr>
+        <p:txBody>
+          <a:bodyPr wrap="none" rtlCol="0">
+            <a:spAutoFit/>
+          </a:bodyPr>
+          <a:lstStyle/>
+          <a:p>
+            <a:r>
+              <a:rPr lang="ru-RU" dirty="0"/>
+              <a:t>НЕТ</a:t>
             </a:r>
           </a:p>
         </p:txBody>

--- a/Мастер-класс/Dubl2.pptx
+++ b/Мастер-класс/Dubl2.pptx
@@ -12,7 +12,7 @@
   </p:handoutMasterIdLst>
   <p:sldIdLst>
     <p:sldId id="257" r:id="rId2"/>
-    <p:sldId id="263" r:id="rId3"/>
+    <p:sldId id="281" r:id="rId3"/>
     <p:sldId id="268" r:id="rId4"/>
     <p:sldId id="269" r:id="rId5"/>
     <p:sldId id="271" r:id="rId6"/>
@@ -155,20 +155,6 @@
 
 <file path=ppt/comments/comment2.xml><?xml version="1.0" encoding="utf-8"?>
 <p:cmLst xmlns:a="http://schemas.openxmlformats.org/drawingml/2006/main" xmlns:r="http://schemas.openxmlformats.org/officeDocument/2006/relationships" xmlns:p="http://schemas.openxmlformats.org/presentationml/2006/main">
-  <p:cm authorId="1" dt="2020-11-08T17:41:51.660" idx="2">
-    <p:pos x="10" y="10"/>
-    <p:text>Что позволило нам пообщаться с роботом? Различные датчики и механизмы, которые имитируют работу наших органов</p:text>
-    <p:extLst>
-      <p:ext uri="{C676402C-5697-4E1C-873F-D02D1690AC5C}">
-        <p15:threadingInfo xmlns:p15="http://schemas.microsoft.com/office/powerpoint/2012/main" timeZoneBias="-300"/>
-      </p:ext>
-    </p:extLst>
-  </p:cm>
-</p:cmLst>
-</file>
-
-<file path=ppt/comments/comment3.xml><?xml version="1.0" encoding="utf-8"?>
-<p:cmLst xmlns:a="http://schemas.openxmlformats.org/drawingml/2006/main" xmlns:r="http://schemas.openxmlformats.org/officeDocument/2006/relationships" xmlns:p="http://schemas.openxmlformats.org/presentationml/2006/main">
   <p:cm authorId="1" dt="2020-11-08T17:42:52.071" idx="3">
     <p:pos x="10" y="10"/>
     <p:text>Что нужно, чтобы создать робота? Важен внешний вид и программа. Два этапа, которые взаимосвязаны. Нельзя создавать внешний вид робота без понимания его алгоритма</p:text>
@@ -181,7 +167,7 @@
 </p:cmLst>
 </file>
 
-<file path=ppt/comments/comment4.xml><?xml version="1.0" encoding="utf-8"?>
+<file path=ppt/comments/comment3.xml><?xml version="1.0" encoding="utf-8"?>
 <p:cmLst xmlns:a="http://schemas.openxmlformats.org/drawingml/2006/main" xmlns:r="http://schemas.openxmlformats.org/officeDocument/2006/relationships" xmlns:p="http://schemas.openxmlformats.org/presentationml/2006/main">
   <p:cm authorId="1" dt="2020-11-08T18:04:37.993" idx="4">
     <p:pos x="10" y="10"/>
@@ -279,7 +265,7 @@
             <a:pPr rtl="0"/>
             <a:fld id="{6B5C320A-F5C8-4FD6-86FF-35D2EBF085B6}" type="datetime1">
               <a:rPr lang="ru-RU" smtClean="0"/>
-              <a:t>13.11.2020</a:t>
+              <a:t>17.11.2020</a:t>
             </a:fld>
             <a:endParaRPr lang="en-US" dirty="0"/>
           </a:p>
@@ -449,7 +435,7 @@
             <a:pPr rtl="0"/>
             <a:fld id="{15C702C7-E599-40D9-B30E-0392896973B5}" type="datetime1">
               <a:rPr lang="ru-RU" smtClean="0"/>
-              <a:t>13.11.2020</a:t>
+              <a:t>17.11.2020</a:t>
             </a:fld>
             <a:endParaRPr lang="en-US"/>
           </a:p>
@@ -1194,7 +1180,7 @@
             <a:pPr rtl="0"/>
             <a:fld id="{6506E9A3-1561-45B7-908B-DACC52528ABB}" type="datetime1">
               <a:rPr lang="ru-RU" smtClean="0"/>
-              <a:t>13.11.2020</a:t>
+              <a:t>17.11.2020</a:t>
             </a:fld>
             <a:endParaRPr lang="en-US" dirty="0"/>
           </a:p>
@@ -1400,7 +1386,7 @@
             <a:pPr rtl="0"/>
             <a:fld id="{3E92B999-6CB2-48D4-8AF6-3D1A5D13436B}" type="datetime1">
               <a:rPr lang="ru-RU" smtClean="0"/>
-              <a:t>13.11.2020</a:t>
+              <a:t>17.11.2020</a:t>
             </a:fld>
             <a:endParaRPr lang="en-US"/>
           </a:p>
@@ -1584,7 +1570,7 @@
             <a:pPr rtl="0"/>
             <a:fld id="{B52C98DB-1092-48C4-AD4E-BD3E9D2E2345}" type="datetime1">
               <a:rPr lang="ru-RU" smtClean="0"/>
-              <a:t>13.11.2020</a:t>
+              <a:t>17.11.2020</a:t>
             </a:fld>
             <a:endParaRPr lang="en-US"/>
           </a:p>
@@ -1758,7 +1744,7 @@
             <a:pPr rtl="0"/>
             <a:fld id="{629C2F20-7994-4D1E-A01C-96ECBA4612EB}" type="datetime1">
               <a:rPr lang="ru-RU" smtClean="0"/>
-              <a:t>13.11.2020</a:t>
+              <a:t>17.11.2020</a:t>
             </a:fld>
             <a:endParaRPr lang="en-US"/>
           </a:p>
@@ -2361,7 +2347,7 @@
             <a:pPr rtl="0"/>
             <a:fld id="{7B2CE4EA-3B49-4A00-ADF3-7C7272A626C1}" type="datetime1">
               <a:rPr lang="ru-RU" smtClean="0"/>
-              <a:t>13.11.2020</a:t>
+              <a:t>17.11.2020</a:t>
             </a:fld>
             <a:endParaRPr lang="en-US" dirty="0"/>
           </a:p>
@@ -2685,7 +2671,7 @@
             <a:pPr rtl="0"/>
             <a:fld id="{9A16848F-27AD-43B9-904C-1CF05D24EB3C}" type="datetime1">
               <a:rPr lang="ru-RU" smtClean="0"/>
-              <a:t>13.11.2020</a:t>
+              <a:t>17.11.2020</a:t>
             </a:fld>
             <a:endParaRPr lang="en-US"/>
           </a:p>
@@ -3126,7 +3112,7 @@
             <a:pPr rtl="0"/>
             <a:fld id="{23090412-2DE5-405A-816E-F08FB54EB168}" type="datetime1">
               <a:rPr lang="ru-RU" smtClean="0"/>
-              <a:t>13.11.2020</a:t>
+              <a:t>17.11.2020</a:t>
             </a:fld>
             <a:endParaRPr lang="en-US"/>
           </a:p>
@@ -3248,7 +3234,7 @@
             <a:pPr rtl="0"/>
             <a:fld id="{F4C2D7CB-4DC1-4BB7-BF00-4C36160857E0}" type="datetime1">
               <a:rPr lang="ru-RU" smtClean="0"/>
-              <a:t>13.11.2020</a:t>
+              <a:t>17.11.2020</a:t>
             </a:fld>
             <a:endParaRPr lang="en-US"/>
           </a:p>
@@ -3346,7 +3332,7 @@
             <a:pPr rtl="0"/>
             <a:fld id="{4060D38F-E364-4ED4-9BF4-D7F00FFBE76A}" type="datetime1">
               <a:rPr lang="ru-RU" smtClean="0"/>
-              <a:t>13.11.2020</a:t>
+              <a:t>17.11.2020</a:t>
             </a:fld>
             <a:endParaRPr lang="en-US"/>
           </a:p>
@@ -3767,7 +3753,7 @@
             <a:pPr rtl="0"/>
             <a:fld id="{F183FEFD-AB08-4CB5-AE4D-2F6B12D8E3B0}" type="datetime1">
               <a:rPr lang="ru-RU" smtClean="0"/>
-              <a:t>13.11.2020</a:t>
+              <a:t>17.11.2020</a:t>
             </a:fld>
             <a:endParaRPr lang="en-US"/>
           </a:p>
@@ -4032,7 +4018,7 @@
             <a:pPr rtl="0"/>
             <a:fld id="{EBEA1583-5CEF-4E36-A7FC-D34B7E954D76}" type="datetime1">
               <a:rPr lang="ru-RU" smtClean="0"/>
-              <a:t>13.11.2020</a:t>
+              <a:t>17.11.2020</a:t>
             </a:fld>
             <a:endParaRPr lang="en-US" dirty="0"/>
           </a:p>
@@ -4552,7 +4538,7 @@
             <a:pPr rtl="0"/>
             <a:fld id="{1068A786-B8BF-4988-ACBA-DD9B5BC8D522}" type="datetime1">
               <a:rPr lang="ru-RU" smtClean="0"/>
-              <a:t>13.11.2020</a:t>
+              <a:t>17.11.2020</a:t>
             </a:fld>
             <a:endParaRPr lang="en-US" dirty="0"/>
           </a:p>
@@ -5247,8 +5233,8 @@
         </p:nvSpPr>
         <p:spPr>
           <a:xfrm>
-            <a:off x="6203303" y="1252193"/>
-            <a:ext cx="6675598" cy="4963214"/>
+            <a:off x="1722783" y="424044"/>
+            <a:ext cx="3296211" cy="5332675"/>
           </a:xfrm>
         </p:spPr>
         <p:txBody>
@@ -5257,198 +5243,110 @@
           </a:bodyPr>
           <a:lstStyle/>
           <a:p>
+            <a:pPr>
+              <a:lnSpc>
+                <a:spcPct val="200000"/>
+              </a:lnSpc>
+            </a:pPr>
+            <a:r>
+              <a:rPr lang="ru-RU" sz="3200" b="1" dirty="0">
+                <a:solidFill>
+                  <a:srgbClr val="002060"/>
+                </a:solidFill>
+                <a:latin typeface="Comic Sans MS" panose="030F0702030302020204" pitchFamily="66" charset="0"/>
+              </a:rPr>
+              <a:t>Движение</a:t>
+            </a:r>
             <a:br>
-              <a:rPr lang="ru-RU" sz="2400" b="1" dirty="0">
+              <a:rPr lang="ru-RU" sz="3200" b="1" dirty="0">
                 <a:solidFill>
-                  <a:schemeClr val="accent3">
-                    <a:lumMod val="75000"/>
-                  </a:schemeClr>
+                  <a:srgbClr val="002060"/>
                 </a:solidFill>
                 <a:latin typeface="Comic Sans MS" panose="030F0702030302020204" pitchFamily="66" charset="0"/>
               </a:rPr>
             </a:br>
             <a:r>
-              <a:rPr lang="ru-RU" sz="2400" b="1" dirty="0">
+              <a:rPr lang="ru-RU" sz="3200" b="1" dirty="0">
                 <a:solidFill>
-                  <a:schemeClr val="accent3">
-                    <a:lumMod val="75000"/>
-                  </a:schemeClr>
+                  <a:srgbClr val="002060"/>
                 </a:solidFill>
                 <a:latin typeface="Comic Sans MS" panose="030F0702030302020204" pitchFamily="66" charset="0"/>
               </a:rPr>
-              <a:t>Движение - колеса</a:t>
+              <a:t>Слух</a:t>
             </a:r>
             <a:br>
-              <a:rPr lang="ru-RU" sz="2400" b="1" dirty="0">
+              <a:rPr lang="ru-RU" sz="3200" b="1" dirty="0">
                 <a:solidFill>
-                  <a:schemeClr val="accent3">
-                    <a:lumMod val="75000"/>
-                  </a:schemeClr>
+                  <a:srgbClr val="002060"/>
                 </a:solidFill>
                 <a:latin typeface="Comic Sans MS" panose="030F0702030302020204" pitchFamily="66" charset="0"/>
               </a:rPr>
             </a:br>
+            <a:r>
+              <a:rPr lang="ru-RU" sz="3200" b="1" dirty="0">
+                <a:solidFill>
+                  <a:srgbClr val="002060"/>
+                </a:solidFill>
+                <a:latin typeface="Comic Sans MS" panose="030F0702030302020204" pitchFamily="66" charset="0"/>
+              </a:rPr>
+              <a:t>Голос</a:t>
+            </a:r>
             <a:br>
-              <a:rPr lang="ru-RU" sz="2400" b="1" dirty="0">
+              <a:rPr lang="ru-RU" sz="3200" b="1" dirty="0">
                 <a:solidFill>
-                  <a:schemeClr val="accent3">
-                    <a:lumMod val="75000"/>
-                  </a:schemeClr>
+                  <a:srgbClr val="002060"/>
                 </a:solidFill>
                 <a:latin typeface="Comic Sans MS" panose="030F0702030302020204" pitchFamily="66" charset="0"/>
               </a:rPr>
             </a:br>
             <a:r>
-              <a:rPr lang="ru-RU" sz="2400" b="1" dirty="0">
+              <a:rPr lang="ru-RU" sz="3200" b="1" dirty="0">
                 <a:solidFill>
-                  <a:schemeClr val="accent3">
-                    <a:lumMod val="75000"/>
-                  </a:schemeClr>
+                  <a:srgbClr val="002060"/>
                 </a:solidFill>
                 <a:latin typeface="Comic Sans MS" panose="030F0702030302020204" pitchFamily="66" charset="0"/>
               </a:rPr>
-              <a:t>Слух – микрофон</a:t>
+              <a:t>Осязание</a:t>
             </a:r>
             <a:br>
-              <a:rPr lang="ru-RU" sz="2400" b="1" dirty="0">
+              <a:rPr lang="ru-RU" sz="3200" b="1" dirty="0">
                 <a:solidFill>
-                  <a:schemeClr val="accent3">
-                    <a:lumMod val="75000"/>
-                  </a:schemeClr>
+                  <a:srgbClr val="002060"/>
                 </a:solidFill>
                 <a:latin typeface="Comic Sans MS" panose="030F0702030302020204" pitchFamily="66" charset="0"/>
               </a:rPr>
             </a:br>
+            <a:r>
+              <a:rPr lang="ru-RU" sz="3200" b="1" dirty="0">
+                <a:solidFill>
+                  <a:srgbClr val="002060"/>
+                </a:solidFill>
+                <a:latin typeface="Comic Sans MS" panose="030F0702030302020204" pitchFamily="66" charset="0"/>
+              </a:rPr>
+              <a:t>Зрение</a:t>
+            </a:r>
             <a:br>
-              <a:rPr lang="ru-RU" sz="2400" b="1" dirty="0">
+              <a:rPr lang="ru-RU" sz="3200" b="1" dirty="0">
                 <a:solidFill>
-                  <a:schemeClr val="accent3">
-                    <a:lumMod val="75000"/>
-                  </a:schemeClr>
+                  <a:srgbClr val="002060"/>
                 </a:solidFill>
                 <a:latin typeface="Comic Sans MS" panose="030F0702030302020204" pitchFamily="66" charset="0"/>
               </a:rPr>
             </a:br>
             <a:r>
-              <a:rPr lang="ru-RU" sz="2400" b="1" dirty="0">
+              <a:rPr lang="ru-RU" sz="3200" b="1" dirty="0">
                 <a:solidFill>
-                  <a:schemeClr val="accent3">
-                    <a:lumMod val="75000"/>
-                  </a:schemeClr>
+                  <a:srgbClr val="002060"/>
                 </a:solidFill>
                 <a:latin typeface="Comic Sans MS" panose="030F0702030302020204" pitchFamily="66" charset="0"/>
               </a:rPr>
-              <a:t>Голос – динамик</a:t>
-            </a:r>
-            <a:br>
-              <a:rPr lang="ru-RU" sz="2400" b="1" dirty="0">
-                <a:solidFill>
-                  <a:schemeClr val="accent3">
-                    <a:lumMod val="75000"/>
-                  </a:schemeClr>
-                </a:solidFill>
-                <a:latin typeface="Comic Sans MS" panose="030F0702030302020204" pitchFamily="66" charset="0"/>
-              </a:rPr>
-            </a:br>
-            <a:br>
-              <a:rPr lang="ru-RU" sz="2400" b="1" dirty="0">
-                <a:solidFill>
-                  <a:schemeClr val="accent3">
-                    <a:lumMod val="75000"/>
-                  </a:schemeClr>
-                </a:solidFill>
-                <a:latin typeface="Comic Sans MS" panose="030F0702030302020204" pitchFamily="66" charset="0"/>
-              </a:rPr>
-            </a:br>
-            <a:r>
-              <a:rPr lang="ru-RU" sz="2400" b="1" dirty="0">
-                <a:solidFill>
-                  <a:schemeClr val="accent3">
-                    <a:lumMod val="75000"/>
-                  </a:schemeClr>
-                </a:solidFill>
-                <a:latin typeface="Comic Sans MS" panose="030F0702030302020204" pitchFamily="66" charset="0"/>
-              </a:rPr>
-              <a:t>Осязание – кнопка</a:t>
-            </a:r>
-            <a:br>
-              <a:rPr lang="ru-RU" sz="2400" b="1" dirty="0">
-                <a:solidFill>
-                  <a:schemeClr val="accent3">
-                    <a:lumMod val="75000"/>
-                  </a:schemeClr>
-                </a:solidFill>
-                <a:latin typeface="Comic Sans MS" panose="030F0702030302020204" pitchFamily="66" charset="0"/>
-              </a:rPr>
-            </a:br>
-            <a:br>
-              <a:rPr lang="ru-RU" sz="2400" b="1" dirty="0">
-                <a:solidFill>
-                  <a:schemeClr val="accent3">
-                    <a:lumMod val="75000"/>
-                  </a:schemeClr>
-                </a:solidFill>
-                <a:latin typeface="Comic Sans MS" panose="030F0702030302020204" pitchFamily="66" charset="0"/>
-              </a:rPr>
-            </a:br>
-            <a:r>
-              <a:rPr lang="ru-RU" sz="2400" b="1" dirty="0">
-                <a:solidFill>
-                  <a:schemeClr val="accent3">
-                    <a:lumMod val="75000"/>
-                  </a:schemeClr>
-                </a:solidFill>
-                <a:latin typeface="Comic Sans MS" panose="030F0702030302020204" pitchFamily="66" charset="0"/>
-              </a:rPr>
-              <a:t>Зрение  - инфракрасные датчики</a:t>
-            </a:r>
-            <a:br>
-              <a:rPr lang="ru-RU" sz="2400" b="1" dirty="0">
-                <a:solidFill>
-                  <a:schemeClr val="accent3">
-                    <a:lumMod val="75000"/>
-                  </a:schemeClr>
-                </a:solidFill>
-                <a:latin typeface="Comic Sans MS" panose="030F0702030302020204" pitchFamily="66" charset="0"/>
-              </a:rPr>
-            </a:br>
-            <a:br>
-              <a:rPr lang="ru-RU" sz="2400" b="1" dirty="0">
-                <a:solidFill>
-                  <a:schemeClr val="accent3">
-                    <a:lumMod val="75000"/>
-                  </a:schemeClr>
-                </a:solidFill>
-                <a:latin typeface="Comic Sans MS" panose="030F0702030302020204" pitchFamily="66" charset="0"/>
-              </a:rPr>
-            </a:br>
-            <a:r>
-              <a:rPr lang="ru-RU" sz="2400" b="1" dirty="0">
-                <a:solidFill>
-                  <a:schemeClr val="accent3">
-                    <a:lumMod val="75000"/>
-                  </a:schemeClr>
-                </a:solidFill>
-                <a:latin typeface="Comic Sans MS" panose="030F0702030302020204" pitchFamily="66" charset="0"/>
-              </a:rPr>
-              <a:t>Мозг – процессор</a:t>
-            </a:r>
-            <a:br>
-              <a:rPr lang="ru-RU" sz="2400" b="1" dirty="0">
-                <a:solidFill>
-                  <a:schemeClr val="accent3">
-                    <a:lumMod val="75000"/>
-                  </a:schemeClr>
-                </a:solidFill>
-              </a:rPr>
-            </a:br>
-            <a:br>
-              <a:rPr lang="ru-RU" sz="2400" dirty="0"/>
-            </a:br>
-            <a:br>
-              <a:rPr lang="ru-RU" sz="2400" dirty="0"/>
-            </a:br>
-            <a:endParaRPr lang="ru-RU" sz="2400" dirty="0"/>
+              <a:t>Мозг</a:t>
+            </a:r>
+            <a:endParaRPr lang="ru-RU" sz="3200" dirty="0">
+              <a:solidFill>
+                <a:srgbClr val="002060"/>
+              </a:solidFill>
+            </a:endParaRPr>
           </a:p>
         </p:txBody>
       </p:sp>
@@ -5476,362 +5374,391 @@
             <a:pPr rtl="0"/>
             <a:fld id="{629C2F20-7994-4D1E-A01C-96ECBA4612EB}" type="datetime1">
               <a:rPr lang="ru-RU" smtClean="0"/>
-              <a:t>13.11.2020</a:t>
+              <a:t>17.11.2020</a:t>
             </a:fld>
             <a:endParaRPr lang="en-US"/>
           </a:p>
         </p:txBody>
       </p:sp>
-      <p:pic>
-        <p:nvPicPr>
-          <p:cNvPr id="6" name="Объект 5">
+      <p:sp>
+        <p:nvSpPr>
+          <p:cNvPr id="15" name="TextBox 14">
             <a:extLst>
               <a:ext uri="{FF2B5EF4-FFF2-40B4-BE49-F238E27FC236}">
-                <a16:creationId xmlns:a16="http://schemas.microsoft.com/office/drawing/2014/main" id="{82399E40-1954-4BBF-A718-2310577CEA3B}"/>
+                <a16:creationId xmlns:a16="http://schemas.microsoft.com/office/drawing/2014/main" id="{DC68D301-C585-4B40-847A-66F865CB7AD3}"/>
               </a:ext>
             </a:extLst>
           </p:cNvPr>
-          <p:cNvPicPr>
-            <a:picLocks noGrp="1" noChangeAspect="1"/>
-          </p:cNvPicPr>
-          <p:nvPr>
-            <p:ph idx="1"/>
-          </p:nvPr>
-        </p:nvPicPr>
-        <p:blipFill>
-          <a:blip r:embed="rId4">
-            <a:extLst>
-              <a:ext uri="{28A0092B-C50C-407E-A947-70E740481C1C}">
-                <a14:useLocalDpi xmlns:a14="http://schemas.microsoft.com/office/drawing/2010/main" val="0"/>
-              </a:ext>
-            </a:extLst>
-          </a:blip>
-          <a:stretch>
-            <a:fillRect/>
-          </a:stretch>
-        </p:blipFill>
-        <p:spPr>
-          <a:xfrm>
-            <a:off x="671627" y="620297"/>
-            <a:ext cx="4747040" cy="5601228"/>
+          <p:cNvSpPr txBox="1"/>
+          <p:nvPr/>
+        </p:nvSpPr>
+        <p:spPr>
+          <a:xfrm>
+            <a:off x="7868583" y="566637"/>
+            <a:ext cx="1869883" cy="584775"/>
           </a:xfrm>
           <a:prstGeom prst="rect">
             <a:avLst/>
           </a:prstGeom>
-        </p:spPr>
-      </p:pic>
-      <p:cxnSp>
-        <p:nvCxnSpPr>
-          <p:cNvPr id="8" name="Прямая соединительная линия 7">
+          <a:noFill/>
+        </p:spPr>
+        <p:txBody>
+          <a:bodyPr wrap="square">
+            <a:spAutoFit/>
+          </a:bodyPr>
+          <a:lstStyle/>
+          <a:p>
+            <a:r>
+              <a:rPr lang="ru-RU" sz="3200" b="1" dirty="0">
+                <a:solidFill>
+                  <a:srgbClr val="00A496"/>
+                </a:solidFill>
+                <a:latin typeface="Comic Sans MS" panose="030F0702030302020204" pitchFamily="66" charset="0"/>
+              </a:rPr>
+              <a:t>Колеса</a:t>
+            </a:r>
+          </a:p>
+        </p:txBody>
+      </p:sp>
+      <p:sp>
+        <p:nvSpPr>
+          <p:cNvPr id="12" name="TextBox 11">
             <a:extLst>
               <a:ext uri="{FF2B5EF4-FFF2-40B4-BE49-F238E27FC236}">
-                <a16:creationId xmlns:a16="http://schemas.microsoft.com/office/drawing/2014/main" id="{1B0CD430-4927-4916-8990-31E02CA4C056}"/>
+                <a16:creationId xmlns:a16="http://schemas.microsoft.com/office/drawing/2014/main" id="{2B9220BF-2604-4801-B52D-ED6D6CEB5D0B}"/>
               </a:ext>
             </a:extLst>
           </p:cNvPr>
-          <p:cNvCxnSpPr/>
+          <p:cNvSpPr txBox="1"/>
           <p:nvPr/>
-        </p:nvCxnSpPr>
-        <p:spPr>
-          <a:xfrm>
-            <a:off x="2404533" y="2641600"/>
-            <a:ext cx="1309511" cy="0"/>
-          </a:xfrm>
-          <a:prstGeom prst="line">
+        </p:nvSpPr>
+        <p:spPr>
+          <a:xfrm>
+            <a:off x="5638702" y="176577"/>
+            <a:ext cx="1869883" cy="5858463"/>
+          </a:xfrm>
+          <a:prstGeom prst="rect">
             <a:avLst/>
           </a:prstGeom>
-          <a:ln w="57150"/>
-        </p:spPr>
-        <p:style>
-          <a:lnRef idx="3">
-            <a:schemeClr val="accent2"/>
-          </a:lnRef>
-          <a:fillRef idx="0">
-            <a:schemeClr val="accent2"/>
-          </a:fillRef>
-          <a:effectRef idx="2">
-            <a:schemeClr val="accent2"/>
-          </a:effectRef>
-          <a:fontRef idx="minor">
-            <a:schemeClr val="tx1"/>
-          </a:fontRef>
-        </p:style>
-      </p:cxnSp>
-      <p:pic>
-        <p:nvPicPr>
-          <p:cNvPr id="9" name="3e9ac460bc993a4">
-            <a:hlinkClick r:id="" action="ppaction://media"/>
+          <a:noFill/>
+        </p:spPr>
+        <p:txBody>
+          <a:bodyPr wrap="square">
+            <a:spAutoFit/>
+          </a:bodyPr>
+          <a:lstStyle/>
+          <a:p>
+            <a:pPr>
+              <a:lnSpc>
+                <a:spcPct val="200000"/>
+              </a:lnSpc>
+            </a:pPr>
+            <a:r>
+              <a:rPr lang="ru-RU" sz="3200" b="1" dirty="0">
+                <a:solidFill>
+                  <a:schemeClr val="tx1">
+                    <a:lumMod val="95000"/>
+                    <a:lumOff val="5000"/>
+                  </a:schemeClr>
+                </a:solidFill>
+                <a:latin typeface="Comic Sans MS" panose="030F0702030302020204" pitchFamily="66" charset="0"/>
+              </a:rPr>
+              <a:t>-</a:t>
+            </a:r>
+          </a:p>
+          <a:p>
+            <a:pPr>
+              <a:lnSpc>
+                <a:spcPct val="200000"/>
+              </a:lnSpc>
+            </a:pPr>
+            <a:r>
+              <a:rPr lang="ru-RU" sz="3200" b="1" dirty="0">
+                <a:solidFill>
+                  <a:schemeClr val="tx1">
+                    <a:lumMod val="95000"/>
+                    <a:lumOff val="5000"/>
+                  </a:schemeClr>
+                </a:solidFill>
+                <a:latin typeface="Comic Sans MS" panose="030F0702030302020204" pitchFamily="66" charset="0"/>
+              </a:rPr>
+              <a:t>-</a:t>
+            </a:r>
+          </a:p>
+          <a:p>
+            <a:pPr>
+              <a:lnSpc>
+                <a:spcPct val="200000"/>
+              </a:lnSpc>
+            </a:pPr>
+            <a:r>
+              <a:rPr lang="ru-RU" sz="3200" b="1" dirty="0">
+                <a:solidFill>
+                  <a:schemeClr val="tx1">
+                    <a:lumMod val="95000"/>
+                    <a:lumOff val="5000"/>
+                  </a:schemeClr>
+                </a:solidFill>
+                <a:latin typeface="Comic Sans MS" panose="030F0702030302020204" pitchFamily="66" charset="0"/>
+              </a:rPr>
+              <a:t>-</a:t>
+            </a:r>
+          </a:p>
+          <a:p>
+            <a:pPr>
+              <a:lnSpc>
+                <a:spcPct val="200000"/>
+              </a:lnSpc>
+            </a:pPr>
+            <a:r>
+              <a:rPr lang="ru-RU" sz="3200" b="1" dirty="0">
+                <a:solidFill>
+                  <a:schemeClr val="tx1">
+                    <a:lumMod val="95000"/>
+                    <a:lumOff val="5000"/>
+                  </a:schemeClr>
+                </a:solidFill>
+                <a:latin typeface="Comic Sans MS" panose="030F0702030302020204" pitchFamily="66" charset="0"/>
+              </a:rPr>
+              <a:t>-</a:t>
+            </a:r>
+          </a:p>
+          <a:p>
+            <a:pPr>
+              <a:lnSpc>
+                <a:spcPct val="200000"/>
+              </a:lnSpc>
+            </a:pPr>
+            <a:r>
+              <a:rPr lang="ru-RU" sz="3200" b="1" dirty="0">
+                <a:solidFill>
+                  <a:schemeClr val="tx1">
+                    <a:lumMod val="95000"/>
+                    <a:lumOff val="5000"/>
+                  </a:schemeClr>
+                </a:solidFill>
+                <a:latin typeface="Comic Sans MS" panose="030F0702030302020204" pitchFamily="66" charset="0"/>
+              </a:rPr>
+              <a:t>-</a:t>
+            </a:r>
+          </a:p>
+          <a:p>
+            <a:pPr>
+              <a:lnSpc>
+                <a:spcPct val="200000"/>
+              </a:lnSpc>
+            </a:pPr>
+            <a:r>
+              <a:rPr lang="ru-RU" sz="3200" b="1" dirty="0">
+                <a:solidFill>
+                  <a:schemeClr val="tx1">
+                    <a:lumMod val="95000"/>
+                    <a:lumOff val="5000"/>
+                  </a:schemeClr>
+                </a:solidFill>
+                <a:latin typeface="Comic Sans MS" panose="030F0702030302020204" pitchFamily="66" charset="0"/>
+              </a:rPr>
+              <a:t>-</a:t>
+            </a:r>
+          </a:p>
+        </p:txBody>
+      </p:sp>
+      <p:sp>
+        <p:nvSpPr>
+          <p:cNvPr id="18" name="TextBox 17">
             <a:extLst>
               <a:ext uri="{FF2B5EF4-FFF2-40B4-BE49-F238E27FC236}">
-                <a16:creationId xmlns:a16="http://schemas.microsoft.com/office/drawing/2014/main" id="{707E6053-F1B2-4B91-8608-4A80C9EA379E}"/>
+                <a16:creationId xmlns:a16="http://schemas.microsoft.com/office/drawing/2014/main" id="{184DA288-B5C5-4FF9-9F96-60B11677177F}"/>
               </a:ext>
             </a:extLst>
           </p:cNvPr>
-          <p:cNvPicPr>
-            <a:picLocks noChangeAspect="1"/>
-          </p:cNvPicPr>
-          <p:nvPr>
-            <a:audioFile r:link="rId2"/>
-            <p:extLst>
-              <p:ext uri="{DAA4B4D4-6D71-4841-9C94-3DE7FCFB9230}">
-                <p14:media xmlns:p14="http://schemas.microsoft.com/office/powerpoint/2010/main" r:embed="rId1"/>
-              </p:ext>
-            </p:extLst>
-          </p:nvPr>
-        </p:nvPicPr>
-        <p:blipFill>
-          <a:blip r:embed="rId5"/>
-          <a:stretch>
-            <a:fillRect/>
-          </a:stretch>
-        </p:blipFill>
-        <p:spPr>
-          <a:xfrm>
-            <a:off x="10910773" y="5605807"/>
-            <a:ext cx="609600" cy="609600"/>
+          <p:cNvSpPr txBox="1"/>
+          <p:nvPr/>
+        </p:nvSpPr>
+        <p:spPr>
+          <a:xfrm>
+            <a:off x="7868582" y="1493251"/>
+            <a:ext cx="2700843" cy="584775"/>
           </a:xfrm>
           <a:prstGeom prst="rect">
             <a:avLst/>
           </a:prstGeom>
-        </p:spPr>
-      </p:pic>
-      <p:sp>
-        <p:nvSpPr>
-          <p:cNvPr id="10" name="Прямоугольник 9">
+          <a:noFill/>
+        </p:spPr>
+        <p:txBody>
+          <a:bodyPr wrap="square">
+            <a:spAutoFit/>
+          </a:bodyPr>
+          <a:lstStyle/>
+          <a:p>
+            <a:r>
+              <a:rPr lang="ru-RU" sz="3200" b="1" dirty="0">
+                <a:solidFill>
+                  <a:srgbClr val="00A496"/>
+                </a:solidFill>
+                <a:latin typeface="Comic Sans MS" panose="030F0702030302020204" pitchFamily="66" charset="0"/>
+              </a:rPr>
+              <a:t>Микрофон</a:t>
+            </a:r>
+          </a:p>
+        </p:txBody>
+      </p:sp>
+      <p:sp>
+        <p:nvSpPr>
+          <p:cNvPr id="20" name="TextBox 19">
             <a:extLst>
               <a:ext uri="{FF2B5EF4-FFF2-40B4-BE49-F238E27FC236}">
-                <a16:creationId xmlns:a16="http://schemas.microsoft.com/office/drawing/2014/main" id="{7245348F-09F2-41F8-85D9-DC7FBA354710}"/>
+                <a16:creationId xmlns:a16="http://schemas.microsoft.com/office/drawing/2014/main" id="{5E7C133F-E783-4600-BCD7-104C5BCDB477}"/>
               </a:ext>
             </a:extLst>
           </p:cNvPr>
-          <p:cNvSpPr/>
+          <p:cNvSpPr txBox="1"/>
           <p:nvPr/>
         </p:nvSpPr>
         <p:spPr>
           <a:xfrm>
-            <a:off x="2277410" y="3399183"/>
-            <a:ext cx="1563756" cy="899299"/>
+            <a:off x="7868582" y="2452757"/>
+            <a:ext cx="2700843" cy="584775"/>
           </a:xfrm>
           <a:prstGeom prst="rect">
             <a:avLst/>
           </a:prstGeom>
-          <a:solidFill>
-            <a:srgbClr val="DBFFFC"/>
-          </a:solidFill>
-          <a:ln>
-            <a:noFill/>
-          </a:ln>
-        </p:spPr>
-        <p:style>
-          <a:lnRef idx="2">
-            <a:schemeClr val="accent1">
-              <a:shade val="50000"/>
-            </a:schemeClr>
-          </a:lnRef>
-          <a:fillRef idx="1">
-            <a:schemeClr val="accent1"/>
-          </a:fillRef>
-          <a:effectRef idx="0">
-            <a:schemeClr val="accent1"/>
-          </a:effectRef>
-          <a:fontRef idx="minor">
-            <a:schemeClr val="lt1"/>
-          </a:fontRef>
-        </p:style>
-        <p:txBody>
-          <a:bodyPr rtlCol="0" anchor="ctr"/>
+          <a:noFill/>
+        </p:spPr>
+        <p:txBody>
+          <a:bodyPr wrap="square">
+            <a:spAutoFit/>
+          </a:bodyPr>
           <a:lstStyle/>
           <a:p>
-            <a:pPr algn="ctr"/>
-            <a:r>
-              <a:rPr lang="ru-RU" b="1" dirty="0">
+            <a:r>
+              <a:rPr lang="ru-RU" sz="3200" b="1" dirty="0">
                 <a:solidFill>
                   <a:srgbClr val="00A496"/>
                 </a:solidFill>
+                <a:latin typeface="Comic Sans MS" panose="030F0702030302020204" pitchFamily="66" charset="0"/>
               </a:rPr>
-              <a:t>Я тебя вижу</a:t>
-            </a:r>
-          </a:p>
-        </p:txBody>
-      </p:sp>
-      <p:sp>
-        <p:nvSpPr>
-          <p:cNvPr id="11" name="Овал 10">
+              <a:t>Динамик</a:t>
+            </a:r>
+          </a:p>
+        </p:txBody>
+      </p:sp>
+      <p:sp>
+        <p:nvSpPr>
+          <p:cNvPr id="22" name="TextBox 21">
             <a:extLst>
               <a:ext uri="{FF2B5EF4-FFF2-40B4-BE49-F238E27FC236}">
-                <a16:creationId xmlns:a16="http://schemas.microsoft.com/office/drawing/2014/main" id="{86CB2797-56DF-4246-B54E-A16102BEB2F9}"/>
+                <a16:creationId xmlns:a16="http://schemas.microsoft.com/office/drawing/2014/main" id="{54F1A075-9C6C-4E2E-966B-C8F0A59A19D0}"/>
               </a:ext>
             </a:extLst>
           </p:cNvPr>
-          <p:cNvSpPr/>
+          <p:cNvSpPr txBox="1"/>
           <p:nvPr/>
         </p:nvSpPr>
         <p:spPr>
           <a:xfrm>
-            <a:off x="2391281" y="1958048"/>
-            <a:ext cx="338667" cy="344517"/>
-          </a:xfrm>
-          <a:prstGeom prst="ellipse">
+            <a:off x="7868583" y="3440685"/>
+            <a:ext cx="2700843" cy="584775"/>
+          </a:xfrm>
+          <a:prstGeom prst="rect">
             <a:avLst/>
           </a:prstGeom>
-          <a:solidFill>
-            <a:schemeClr val="tx1">
-              <a:lumMod val="95000"/>
-              <a:lumOff val="5000"/>
-            </a:schemeClr>
-          </a:solidFill>
-          <a:ln>
-            <a:noFill/>
-          </a:ln>
-        </p:spPr>
-        <p:style>
-          <a:lnRef idx="2">
-            <a:schemeClr val="accent1">
-              <a:shade val="50000"/>
-            </a:schemeClr>
-          </a:lnRef>
-          <a:fillRef idx="1">
-            <a:schemeClr val="accent1"/>
-          </a:fillRef>
-          <a:effectRef idx="0">
-            <a:schemeClr val="accent1"/>
-          </a:effectRef>
-          <a:fontRef idx="minor">
-            <a:schemeClr val="lt1"/>
-          </a:fontRef>
-        </p:style>
-        <p:txBody>
-          <a:bodyPr rtlCol="0" anchor="ctr"/>
+          <a:noFill/>
+        </p:spPr>
+        <p:txBody>
+          <a:bodyPr wrap="square">
+            <a:spAutoFit/>
+          </a:bodyPr>
           <a:lstStyle/>
           <a:p>
-            <a:pPr algn="ctr"/>
-            <a:endParaRPr lang="ru-RU"/>
-          </a:p>
-        </p:txBody>
-      </p:sp>
-      <p:sp>
-        <p:nvSpPr>
-          <p:cNvPr id="13" name="Овал 12">
+            <a:r>
+              <a:rPr lang="ru-RU" sz="3200" b="1" dirty="0">
+                <a:solidFill>
+                  <a:srgbClr val="00A496"/>
+                </a:solidFill>
+                <a:latin typeface="Comic Sans MS" panose="030F0702030302020204" pitchFamily="66" charset="0"/>
+              </a:rPr>
+              <a:t>Кнопка</a:t>
+            </a:r>
+          </a:p>
+        </p:txBody>
+      </p:sp>
+      <p:sp>
+        <p:nvSpPr>
+          <p:cNvPr id="24" name="TextBox 23">
             <a:extLst>
               <a:ext uri="{FF2B5EF4-FFF2-40B4-BE49-F238E27FC236}">
-                <a16:creationId xmlns:a16="http://schemas.microsoft.com/office/drawing/2014/main" id="{E5E66EAC-D34C-49F7-8130-3FBC2A7AA251}"/>
+                <a16:creationId xmlns:a16="http://schemas.microsoft.com/office/drawing/2014/main" id="{CD43A459-88A0-491B-A5FD-71D7996FF2D2}"/>
               </a:ext>
             </a:extLst>
           </p:cNvPr>
-          <p:cNvSpPr/>
+          <p:cNvSpPr txBox="1"/>
           <p:nvPr/>
         </p:nvSpPr>
         <p:spPr>
           <a:xfrm>
-            <a:off x="2291643" y="4518991"/>
-            <a:ext cx="199275" cy="143913"/>
-          </a:xfrm>
-          <a:prstGeom prst="ellipse">
+            <a:off x="7868582" y="4428613"/>
+            <a:ext cx="2700843" cy="584775"/>
+          </a:xfrm>
+          <a:prstGeom prst="rect">
             <a:avLst/>
           </a:prstGeom>
-          <a:solidFill>
-            <a:srgbClr val="FF0000"/>
-          </a:solidFill>
-          <a:ln>
-            <a:noFill/>
-          </a:ln>
-        </p:spPr>
-        <p:style>
-          <a:lnRef idx="2">
-            <a:schemeClr val="accent1">
-              <a:shade val="50000"/>
-            </a:schemeClr>
-          </a:lnRef>
-          <a:fillRef idx="1">
-            <a:schemeClr val="accent1"/>
-          </a:fillRef>
-          <a:effectRef idx="0">
-            <a:schemeClr val="accent1"/>
-          </a:effectRef>
-          <a:fontRef idx="minor">
-            <a:schemeClr val="lt1"/>
-          </a:fontRef>
-        </p:style>
-        <p:txBody>
-          <a:bodyPr rtlCol="0" anchor="ctr"/>
+          <a:noFill/>
+        </p:spPr>
+        <p:txBody>
+          <a:bodyPr wrap="square">
+            <a:spAutoFit/>
+          </a:bodyPr>
           <a:lstStyle/>
           <a:p>
-            <a:pPr algn="ctr"/>
-            <a:endParaRPr lang="ru-RU"/>
-          </a:p>
-        </p:txBody>
-      </p:sp>
-      <p:sp>
-        <p:nvSpPr>
-          <p:cNvPr id="14" name="Прямоугольник 13">
+            <a:r>
+              <a:rPr lang="ru-RU" sz="3200" b="1" dirty="0">
+                <a:solidFill>
+                  <a:srgbClr val="00A496"/>
+                </a:solidFill>
+                <a:latin typeface="Comic Sans MS" panose="030F0702030302020204" pitchFamily="66" charset="0"/>
+              </a:rPr>
+              <a:t>ИК датчик</a:t>
+            </a:r>
+          </a:p>
+        </p:txBody>
+      </p:sp>
+      <p:sp>
+        <p:nvSpPr>
+          <p:cNvPr id="26" name="TextBox 25">
             <a:extLst>
               <a:ext uri="{FF2B5EF4-FFF2-40B4-BE49-F238E27FC236}">
-                <a16:creationId xmlns:a16="http://schemas.microsoft.com/office/drawing/2014/main" id="{A67441D7-67F9-42DE-9768-FF32AAB84566}"/>
+                <a16:creationId xmlns:a16="http://schemas.microsoft.com/office/drawing/2014/main" id="{821522A3-949F-4066-AB08-1F4D28A3DD69}"/>
               </a:ext>
             </a:extLst>
           </p:cNvPr>
-          <p:cNvSpPr/>
+          <p:cNvSpPr txBox="1"/>
           <p:nvPr/>
         </p:nvSpPr>
         <p:spPr>
           <a:xfrm>
-            <a:off x="2280354" y="3420911"/>
-            <a:ext cx="1563756" cy="899299"/>
+            <a:off x="7868581" y="5364749"/>
+            <a:ext cx="2700843" cy="584775"/>
           </a:xfrm>
           <a:prstGeom prst="rect">
             <a:avLst/>
           </a:prstGeom>
-          <a:solidFill>
-            <a:srgbClr val="DBFFFC"/>
-          </a:solidFill>
-          <a:ln>
-            <a:noFill/>
-          </a:ln>
-        </p:spPr>
-        <p:style>
-          <a:lnRef idx="2">
-            <a:schemeClr val="accent1">
-              <a:shade val="50000"/>
-            </a:schemeClr>
-          </a:lnRef>
-          <a:fillRef idx="1">
-            <a:schemeClr val="accent1"/>
-          </a:fillRef>
-          <a:effectRef idx="0">
-            <a:schemeClr val="accent1"/>
-          </a:effectRef>
-          <a:fontRef idx="minor">
-            <a:schemeClr val="lt1"/>
-          </a:fontRef>
-        </p:style>
-        <p:txBody>
-          <a:bodyPr rtlCol="0" anchor="ctr"/>
+          <a:noFill/>
+        </p:spPr>
+        <p:txBody>
+          <a:bodyPr wrap="square">
+            <a:spAutoFit/>
+          </a:bodyPr>
           <a:lstStyle/>
           <a:p>
-            <a:pPr algn="ctr"/>
-            <a:r>
-              <a:rPr lang="ru-RU" b="1" dirty="0">
+            <a:r>
+              <a:rPr lang="ru-RU" sz="3200" b="1" dirty="0">
                 <a:solidFill>
                   <a:srgbClr val="00A496"/>
                 </a:solidFill>
+                <a:latin typeface="Comic Sans MS" panose="030F0702030302020204" pitchFamily="66" charset="0"/>
               </a:rPr>
-              <a:t>Ой, не </a:t>
-            </a:r>
-            <a:r>
-              <a:rPr lang="ru-RU" b="1" dirty="0" err="1">
-                <a:solidFill>
-                  <a:srgbClr val="00A496"/>
-                </a:solidFill>
-              </a:rPr>
-              <a:t>щекоти</a:t>
-            </a:r>
-            <a:r>
-              <a:rPr lang="ru-RU" b="1" dirty="0">
-                <a:solidFill>
-                  <a:srgbClr val="00A496"/>
-                </a:solidFill>
-              </a:rPr>
-              <a:t> меня))</a:t>
+              <a:t>Процессор</a:t>
             </a:r>
           </a:p>
         </p:txBody>
@@ -5839,7 +5766,7 @@
     </p:spTree>
     <p:extLst>
       <p:ext uri="{BB962C8B-B14F-4D97-AF65-F5344CB8AC3E}">
-        <p14:creationId xmlns:p14="http://schemas.microsoft.com/office/powerpoint/2010/main" val="4022073078"/>
+        <p14:creationId xmlns:p14="http://schemas.microsoft.com/office/powerpoint/2010/main" val="2743134886"/>
       </p:ext>
     </p:extLst>
   </p:cSld>
@@ -5867,7 +5794,7 @@
                             </p:stCondLst>
                             <p:childTnLst>
                               <p:par>
-                                <p:cTn id="5" presetID="53" presetClass="entr" presetSubtype="16" fill="hold" grpId="0" nodeType="clickEffect">
+                                <p:cTn id="5" presetID="2" presetClass="entr" presetSubtype="4" fill="hold" grpId="0" nodeType="clickEffect">
                                   <p:stCondLst>
                                     <p:cond delay="0"/>
                                   </p:stCondLst>
@@ -5880,7 +5807,7 @@
                                           </p:stCondLst>
                                         </p:cTn>
                                         <p:tgtEl>
-                                          <p:spTgt spid="10"/>
+                                          <p:spTgt spid="15"/>
                                         </p:tgtEl>
                                         <p:attrNameLst>
                                           <p:attrName>style.visibility</p:attrName>
@@ -5891,59 +5818,51 @@
                                       </p:to>
                                     </p:set>
                                     <p:anim calcmode="lin" valueType="num">
-                                      <p:cBhvr>
+                                      <p:cBhvr additive="base">
                                         <p:cTn id="7" dur="500" fill="hold"/>
                                         <p:tgtEl>
-                                          <p:spTgt spid="10"/>
+                                          <p:spTgt spid="15"/>
                                         </p:tgtEl>
                                         <p:attrNameLst>
-                                          <p:attrName>ppt_w</p:attrName>
+                                          <p:attrName>ppt_x</p:attrName>
                                         </p:attrNameLst>
                                       </p:cBhvr>
                                       <p:tavLst>
                                         <p:tav tm="0">
                                           <p:val>
-                                            <p:fltVal val="0"/>
+                                            <p:strVal val="#ppt_x"/>
                                           </p:val>
                                         </p:tav>
                                         <p:tav tm="100000">
                                           <p:val>
-                                            <p:strVal val="#ppt_w"/>
+                                            <p:strVal val="#ppt_x"/>
                                           </p:val>
                                         </p:tav>
                                       </p:tavLst>
                                     </p:anim>
                                     <p:anim calcmode="lin" valueType="num">
-                                      <p:cBhvr>
+                                      <p:cBhvr additive="base">
                                         <p:cTn id="8" dur="500" fill="hold"/>
                                         <p:tgtEl>
-                                          <p:spTgt spid="10"/>
+                                          <p:spTgt spid="15"/>
                                         </p:tgtEl>
                                         <p:attrNameLst>
-                                          <p:attrName>ppt_h</p:attrName>
+                                          <p:attrName>ppt_y</p:attrName>
                                         </p:attrNameLst>
                                       </p:cBhvr>
                                       <p:tavLst>
                                         <p:tav tm="0">
                                           <p:val>
-                                            <p:fltVal val="0"/>
+                                            <p:strVal val="1+#ppt_h/2"/>
                                           </p:val>
                                         </p:tav>
                                         <p:tav tm="100000">
                                           <p:val>
-                                            <p:strVal val="#ppt_h"/>
+                                            <p:strVal val="#ppt_y"/>
                                           </p:val>
                                         </p:tav>
                                       </p:tavLst>
                                     </p:anim>
-                                    <p:animEffect transition="in" filter="fade">
-                                      <p:cBhvr>
-                                        <p:cTn id="9" dur="500"/>
-                                        <p:tgtEl>
-                                          <p:spTgt spid="10"/>
-                                        </p:tgtEl>
-                                      </p:cBhvr>
-                                    </p:animEffect>
                                   </p:childTnLst>
                                 </p:cTn>
                               </p:par>
@@ -5954,32 +5873,32 @@
                     </p:cTn>
                   </p:par>
                   <p:par>
-                    <p:cTn id="10" fill="hold">
+                    <p:cTn id="9" fill="hold">
                       <p:stCondLst>
                         <p:cond delay="indefinite"/>
                       </p:stCondLst>
                       <p:childTnLst>
                         <p:par>
-                          <p:cTn id="11" fill="hold">
+                          <p:cTn id="10" fill="hold">
                             <p:stCondLst>
                               <p:cond delay="0"/>
                             </p:stCondLst>
                             <p:childTnLst>
                               <p:par>
-                                <p:cTn id="12" presetID="22" presetClass="entr" presetSubtype="4" fill="hold" grpId="0" nodeType="clickEffect">
+                                <p:cTn id="11" presetID="2" presetClass="entr" presetSubtype="4" fill="hold" grpId="0" nodeType="clickEffect">
                                   <p:stCondLst>
                                     <p:cond delay="0"/>
                                   </p:stCondLst>
                                   <p:childTnLst>
                                     <p:set>
                                       <p:cBhvr>
-                                        <p:cTn id="13" dur="1" fill="hold">
+                                        <p:cTn id="12" dur="1" fill="hold">
                                           <p:stCondLst>
                                             <p:cond delay="0"/>
                                           </p:stCondLst>
                                         </p:cTn>
                                         <p:tgtEl>
-                                          <p:spTgt spid="2"/>
+                                          <p:spTgt spid="18"/>
                                         </p:tgtEl>
                                         <p:attrNameLst>
                                           <p:attrName>style.visibility</p:attrName>
@@ -5989,14 +5908,416 @@
                                         <p:strVal val="visible"/>
                                       </p:to>
                                     </p:set>
-                                    <p:animEffect transition="in" filter="wipe(down)">
+                                    <p:anim calcmode="lin" valueType="num">
+                                      <p:cBhvr additive="base">
+                                        <p:cTn id="13" dur="500" fill="hold"/>
+                                        <p:tgtEl>
+                                          <p:spTgt spid="18"/>
+                                        </p:tgtEl>
+                                        <p:attrNameLst>
+                                          <p:attrName>ppt_x</p:attrName>
+                                        </p:attrNameLst>
+                                      </p:cBhvr>
+                                      <p:tavLst>
+                                        <p:tav tm="0">
+                                          <p:val>
+                                            <p:strVal val="#ppt_x"/>
+                                          </p:val>
+                                        </p:tav>
+                                        <p:tav tm="100000">
+                                          <p:val>
+                                            <p:strVal val="#ppt_x"/>
+                                          </p:val>
+                                        </p:tav>
+                                      </p:tavLst>
+                                    </p:anim>
+                                    <p:anim calcmode="lin" valueType="num">
+                                      <p:cBhvr additive="base">
+                                        <p:cTn id="14" dur="500" fill="hold"/>
+                                        <p:tgtEl>
+                                          <p:spTgt spid="18"/>
+                                        </p:tgtEl>
+                                        <p:attrNameLst>
+                                          <p:attrName>ppt_y</p:attrName>
+                                        </p:attrNameLst>
+                                      </p:cBhvr>
+                                      <p:tavLst>
+                                        <p:tav tm="0">
+                                          <p:val>
+                                            <p:strVal val="1+#ppt_h/2"/>
+                                          </p:val>
+                                        </p:tav>
+                                        <p:tav tm="100000">
+                                          <p:val>
+                                            <p:strVal val="#ppt_y"/>
+                                          </p:val>
+                                        </p:tav>
+                                      </p:tavLst>
+                                    </p:anim>
+                                  </p:childTnLst>
+                                </p:cTn>
+                              </p:par>
+                            </p:childTnLst>
+                          </p:cTn>
+                        </p:par>
+                      </p:childTnLst>
+                    </p:cTn>
+                  </p:par>
+                  <p:par>
+                    <p:cTn id="15" fill="hold">
+                      <p:stCondLst>
+                        <p:cond delay="indefinite"/>
+                      </p:stCondLst>
+                      <p:childTnLst>
+                        <p:par>
+                          <p:cTn id="16" fill="hold">
+                            <p:stCondLst>
+                              <p:cond delay="0"/>
+                            </p:stCondLst>
+                            <p:childTnLst>
+                              <p:par>
+                                <p:cTn id="17" presetID="2" presetClass="entr" presetSubtype="4" fill="hold" grpId="0" nodeType="clickEffect">
+                                  <p:stCondLst>
+                                    <p:cond delay="0"/>
+                                  </p:stCondLst>
+                                  <p:childTnLst>
+                                    <p:set>
                                       <p:cBhvr>
-                                        <p:cTn id="14" dur="500"/>
+                                        <p:cTn id="18" dur="1" fill="hold">
+                                          <p:stCondLst>
+                                            <p:cond delay="0"/>
+                                          </p:stCondLst>
+                                        </p:cTn>
                                         <p:tgtEl>
-                                          <p:spTgt spid="2"/>
+                                          <p:spTgt spid="20"/>
                                         </p:tgtEl>
+                                        <p:attrNameLst>
+                                          <p:attrName>style.visibility</p:attrName>
+                                        </p:attrNameLst>
                                       </p:cBhvr>
-                                    </p:animEffect>
+                                      <p:to>
+                                        <p:strVal val="visible"/>
+                                      </p:to>
+                                    </p:set>
+                                    <p:anim calcmode="lin" valueType="num">
+                                      <p:cBhvr additive="base">
+                                        <p:cTn id="19" dur="500" fill="hold"/>
+                                        <p:tgtEl>
+                                          <p:spTgt spid="20"/>
+                                        </p:tgtEl>
+                                        <p:attrNameLst>
+                                          <p:attrName>ppt_x</p:attrName>
+                                        </p:attrNameLst>
+                                      </p:cBhvr>
+                                      <p:tavLst>
+                                        <p:tav tm="0">
+                                          <p:val>
+                                            <p:strVal val="#ppt_x"/>
+                                          </p:val>
+                                        </p:tav>
+                                        <p:tav tm="100000">
+                                          <p:val>
+                                            <p:strVal val="#ppt_x"/>
+                                          </p:val>
+                                        </p:tav>
+                                      </p:tavLst>
+                                    </p:anim>
+                                    <p:anim calcmode="lin" valueType="num">
+                                      <p:cBhvr additive="base">
+                                        <p:cTn id="20" dur="500" fill="hold"/>
+                                        <p:tgtEl>
+                                          <p:spTgt spid="20"/>
+                                        </p:tgtEl>
+                                        <p:attrNameLst>
+                                          <p:attrName>ppt_y</p:attrName>
+                                        </p:attrNameLst>
+                                      </p:cBhvr>
+                                      <p:tavLst>
+                                        <p:tav tm="0">
+                                          <p:val>
+                                            <p:strVal val="1+#ppt_h/2"/>
+                                          </p:val>
+                                        </p:tav>
+                                        <p:tav tm="100000">
+                                          <p:val>
+                                            <p:strVal val="#ppt_y"/>
+                                          </p:val>
+                                        </p:tav>
+                                      </p:tavLst>
+                                    </p:anim>
+                                  </p:childTnLst>
+                                </p:cTn>
+                              </p:par>
+                            </p:childTnLst>
+                          </p:cTn>
+                        </p:par>
+                      </p:childTnLst>
+                    </p:cTn>
+                  </p:par>
+                  <p:par>
+                    <p:cTn id="21" fill="hold">
+                      <p:stCondLst>
+                        <p:cond delay="indefinite"/>
+                      </p:stCondLst>
+                      <p:childTnLst>
+                        <p:par>
+                          <p:cTn id="22" fill="hold">
+                            <p:stCondLst>
+                              <p:cond delay="0"/>
+                            </p:stCondLst>
+                            <p:childTnLst>
+                              <p:par>
+                                <p:cTn id="23" presetID="2" presetClass="entr" presetSubtype="4" fill="hold" grpId="0" nodeType="clickEffect">
+                                  <p:stCondLst>
+                                    <p:cond delay="0"/>
+                                  </p:stCondLst>
+                                  <p:childTnLst>
+                                    <p:set>
+                                      <p:cBhvr>
+                                        <p:cTn id="24" dur="1" fill="hold">
+                                          <p:stCondLst>
+                                            <p:cond delay="0"/>
+                                          </p:stCondLst>
+                                        </p:cTn>
+                                        <p:tgtEl>
+                                          <p:spTgt spid="22"/>
+                                        </p:tgtEl>
+                                        <p:attrNameLst>
+                                          <p:attrName>style.visibility</p:attrName>
+                                        </p:attrNameLst>
+                                      </p:cBhvr>
+                                      <p:to>
+                                        <p:strVal val="visible"/>
+                                      </p:to>
+                                    </p:set>
+                                    <p:anim calcmode="lin" valueType="num">
+                                      <p:cBhvr additive="base">
+                                        <p:cTn id="25" dur="500" fill="hold"/>
+                                        <p:tgtEl>
+                                          <p:spTgt spid="22"/>
+                                        </p:tgtEl>
+                                        <p:attrNameLst>
+                                          <p:attrName>ppt_x</p:attrName>
+                                        </p:attrNameLst>
+                                      </p:cBhvr>
+                                      <p:tavLst>
+                                        <p:tav tm="0">
+                                          <p:val>
+                                            <p:strVal val="#ppt_x"/>
+                                          </p:val>
+                                        </p:tav>
+                                        <p:tav tm="100000">
+                                          <p:val>
+                                            <p:strVal val="#ppt_x"/>
+                                          </p:val>
+                                        </p:tav>
+                                      </p:tavLst>
+                                    </p:anim>
+                                    <p:anim calcmode="lin" valueType="num">
+                                      <p:cBhvr additive="base">
+                                        <p:cTn id="26" dur="500" fill="hold"/>
+                                        <p:tgtEl>
+                                          <p:spTgt spid="22"/>
+                                        </p:tgtEl>
+                                        <p:attrNameLst>
+                                          <p:attrName>ppt_y</p:attrName>
+                                        </p:attrNameLst>
+                                      </p:cBhvr>
+                                      <p:tavLst>
+                                        <p:tav tm="0">
+                                          <p:val>
+                                            <p:strVal val="1+#ppt_h/2"/>
+                                          </p:val>
+                                        </p:tav>
+                                        <p:tav tm="100000">
+                                          <p:val>
+                                            <p:strVal val="#ppt_y"/>
+                                          </p:val>
+                                        </p:tav>
+                                      </p:tavLst>
+                                    </p:anim>
+                                  </p:childTnLst>
+                                </p:cTn>
+                              </p:par>
+                            </p:childTnLst>
+                          </p:cTn>
+                        </p:par>
+                      </p:childTnLst>
+                    </p:cTn>
+                  </p:par>
+                  <p:par>
+                    <p:cTn id="27" fill="hold">
+                      <p:stCondLst>
+                        <p:cond delay="indefinite"/>
+                      </p:stCondLst>
+                      <p:childTnLst>
+                        <p:par>
+                          <p:cTn id="28" fill="hold">
+                            <p:stCondLst>
+                              <p:cond delay="0"/>
+                            </p:stCondLst>
+                            <p:childTnLst>
+                              <p:par>
+                                <p:cTn id="29" presetID="2" presetClass="entr" presetSubtype="4" fill="hold" grpId="0" nodeType="clickEffect">
+                                  <p:stCondLst>
+                                    <p:cond delay="0"/>
+                                  </p:stCondLst>
+                                  <p:childTnLst>
+                                    <p:set>
+                                      <p:cBhvr>
+                                        <p:cTn id="30" dur="1" fill="hold">
+                                          <p:stCondLst>
+                                            <p:cond delay="0"/>
+                                          </p:stCondLst>
+                                        </p:cTn>
+                                        <p:tgtEl>
+                                          <p:spTgt spid="24"/>
+                                        </p:tgtEl>
+                                        <p:attrNameLst>
+                                          <p:attrName>style.visibility</p:attrName>
+                                        </p:attrNameLst>
+                                      </p:cBhvr>
+                                      <p:to>
+                                        <p:strVal val="visible"/>
+                                      </p:to>
+                                    </p:set>
+                                    <p:anim calcmode="lin" valueType="num">
+                                      <p:cBhvr additive="base">
+                                        <p:cTn id="31" dur="500" fill="hold"/>
+                                        <p:tgtEl>
+                                          <p:spTgt spid="24"/>
+                                        </p:tgtEl>
+                                        <p:attrNameLst>
+                                          <p:attrName>ppt_x</p:attrName>
+                                        </p:attrNameLst>
+                                      </p:cBhvr>
+                                      <p:tavLst>
+                                        <p:tav tm="0">
+                                          <p:val>
+                                            <p:strVal val="#ppt_x"/>
+                                          </p:val>
+                                        </p:tav>
+                                        <p:tav tm="100000">
+                                          <p:val>
+                                            <p:strVal val="#ppt_x"/>
+                                          </p:val>
+                                        </p:tav>
+                                      </p:tavLst>
+                                    </p:anim>
+                                    <p:anim calcmode="lin" valueType="num">
+                                      <p:cBhvr additive="base">
+                                        <p:cTn id="32" dur="500" fill="hold"/>
+                                        <p:tgtEl>
+                                          <p:spTgt spid="24"/>
+                                        </p:tgtEl>
+                                        <p:attrNameLst>
+                                          <p:attrName>ppt_y</p:attrName>
+                                        </p:attrNameLst>
+                                      </p:cBhvr>
+                                      <p:tavLst>
+                                        <p:tav tm="0">
+                                          <p:val>
+                                            <p:strVal val="1+#ppt_h/2"/>
+                                          </p:val>
+                                        </p:tav>
+                                        <p:tav tm="100000">
+                                          <p:val>
+                                            <p:strVal val="#ppt_y"/>
+                                          </p:val>
+                                        </p:tav>
+                                      </p:tavLst>
+                                    </p:anim>
+                                  </p:childTnLst>
+                                </p:cTn>
+                              </p:par>
+                            </p:childTnLst>
+                          </p:cTn>
+                        </p:par>
+                      </p:childTnLst>
+                    </p:cTn>
+                  </p:par>
+                  <p:par>
+                    <p:cTn id="33" fill="hold">
+                      <p:stCondLst>
+                        <p:cond delay="indefinite"/>
+                      </p:stCondLst>
+                      <p:childTnLst>
+                        <p:par>
+                          <p:cTn id="34" fill="hold">
+                            <p:stCondLst>
+                              <p:cond delay="0"/>
+                            </p:stCondLst>
+                            <p:childTnLst>
+                              <p:par>
+                                <p:cTn id="35" presetID="2" presetClass="entr" presetSubtype="4" fill="hold" grpId="0" nodeType="clickEffect">
+                                  <p:stCondLst>
+                                    <p:cond delay="0"/>
+                                  </p:stCondLst>
+                                  <p:childTnLst>
+                                    <p:set>
+                                      <p:cBhvr>
+                                        <p:cTn id="36" dur="1" fill="hold">
+                                          <p:stCondLst>
+                                            <p:cond delay="0"/>
+                                          </p:stCondLst>
+                                        </p:cTn>
+                                        <p:tgtEl>
+                                          <p:spTgt spid="26"/>
+                                        </p:tgtEl>
+                                        <p:attrNameLst>
+                                          <p:attrName>style.visibility</p:attrName>
+                                        </p:attrNameLst>
+                                      </p:cBhvr>
+                                      <p:to>
+                                        <p:strVal val="visible"/>
+                                      </p:to>
+                                    </p:set>
+                                    <p:anim calcmode="lin" valueType="num">
+                                      <p:cBhvr additive="base">
+                                        <p:cTn id="37" dur="500" fill="hold"/>
+                                        <p:tgtEl>
+                                          <p:spTgt spid="26"/>
+                                        </p:tgtEl>
+                                        <p:attrNameLst>
+                                          <p:attrName>ppt_x</p:attrName>
+                                        </p:attrNameLst>
+                                      </p:cBhvr>
+                                      <p:tavLst>
+                                        <p:tav tm="0">
+                                          <p:val>
+                                            <p:strVal val="#ppt_x"/>
+                                          </p:val>
+                                        </p:tav>
+                                        <p:tav tm="100000">
+                                          <p:val>
+                                            <p:strVal val="#ppt_x"/>
+                                          </p:val>
+                                        </p:tav>
+                                      </p:tavLst>
+                                    </p:anim>
+                                    <p:anim calcmode="lin" valueType="num">
+                                      <p:cBhvr additive="base">
+                                        <p:cTn id="38" dur="500" fill="hold"/>
+                                        <p:tgtEl>
+                                          <p:spTgt spid="26"/>
+                                        </p:tgtEl>
+                                        <p:attrNameLst>
+                                          <p:attrName>ppt_y</p:attrName>
+                                        </p:attrNameLst>
+                                      </p:cBhvr>
+                                      <p:tavLst>
+                                        <p:tav tm="0">
+                                          <p:val>
+                                            <p:strVal val="1+#ppt_h/2"/>
+                                          </p:val>
+                                        </p:tav>
+                                        <p:tav tm="100000">
+                                          <p:val>
+                                            <p:strVal val="#ppt_y"/>
+                                          </p:val>
+                                        </p:tav>
+                                      </p:tavLst>
+                                    </p:anim>
                                   </p:childTnLst>
                                 </p:cTn>
                               </p:par>
@@ -6023,213 +6344,17 @@
                 </p:cond>
               </p:nextCondLst>
             </p:seq>
-            <p:audio>
-              <p:cMediaNode vol="80000">
-                <p:cTn id="15" fill="hold" display="0">
-                  <p:stCondLst>
-                    <p:cond delay="indefinite"/>
-                  </p:stCondLst>
-                  <p:endCondLst>
-                    <p:cond evt="onStopAudio" delay="0">
-                      <p:tgtEl>
-                        <p:sldTgt/>
-                      </p:tgtEl>
-                    </p:cond>
-                  </p:endCondLst>
-                </p:cTn>
-                <p:tgtEl>
-                  <p:spTgt spid="9"/>
-                </p:tgtEl>
-              </p:cMediaNode>
-            </p:audio>
-            <p:seq concurrent="1" nextAc="seek">
-              <p:cTn id="16" restart="whenNotActive" fill="hold" evtFilter="cancelBubble" nodeType="interactiveSeq">
-                <p:stCondLst>
-                  <p:cond evt="onClick" delay="0">
-                    <p:tgtEl>
-                      <p:spTgt spid="8"/>
-                    </p:tgtEl>
-                  </p:cond>
-                </p:stCondLst>
-                <p:endSync evt="end" delay="0">
-                  <p:rtn val="all"/>
-                </p:endSync>
-                <p:childTnLst>
-                  <p:par>
-                    <p:cTn id="17" fill="hold">
-                      <p:stCondLst>
-                        <p:cond delay="0"/>
-                      </p:stCondLst>
-                      <p:childTnLst>
-                        <p:par>
-                          <p:cTn id="18" fill="hold">
-                            <p:stCondLst>
-                              <p:cond delay="0"/>
-                            </p:stCondLst>
-                            <p:childTnLst>
-                              <p:par>
-                                <p:cTn id="19" presetID="1" presetClass="mediacall" presetSubtype="0" fill="hold" nodeType="clickEffect">
-                                  <p:stCondLst>
-                                    <p:cond delay="0"/>
-                                  </p:stCondLst>
-                                  <p:childTnLst>
-                                    <p:cmd type="call" cmd="playFrom(0.0)">
-                                      <p:cBhvr>
-                                        <p:cTn id="20" dur="1776" fill="hold"/>
-                                        <p:tgtEl>
-                                          <p:spTgt spid="9"/>
-                                        </p:tgtEl>
-                                      </p:cBhvr>
-                                    </p:cmd>
-                                  </p:childTnLst>
-                                </p:cTn>
-                              </p:par>
-                            </p:childTnLst>
-                          </p:cTn>
-                        </p:par>
-                      </p:childTnLst>
-                    </p:cTn>
-                  </p:par>
-                </p:childTnLst>
-              </p:cTn>
-              <p:nextCondLst>
-                <p:cond evt="onClick" delay="0">
-                  <p:tgtEl>
-                    <p:spTgt spid="8"/>
-                  </p:tgtEl>
-                </p:cond>
-              </p:nextCondLst>
-            </p:seq>
-            <p:seq concurrent="1" nextAc="seek">
-              <p:cTn id="21" restart="whenNotActive" fill="hold" evtFilter="cancelBubble" nodeType="interactiveSeq">
-                <p:stCondLst>
-                  <p:cond evt="onClick" delay="0">
-                    <p:tgtEl>
-                      <p:spTgt spid="13"/>
-                    </p:tgtEl>
-                  </p:cond>
-                </p:stCondLst>
-                <p:endSync evt="end" delay="0">
-                  <p:rtn val="all"/>
-                </p:endSync>
-                <p:childTnLst>
-                  <p:par>
-                    <p:cTn id="22" fill="hold">
-                      <p:stCondLst>
-                        <p:cond delay="0"/>
-                      </p:stCondLst>
-                      <p:childTnLst>
-                        <p:par>
-                          <p:cTn id="23" fill="hold">
-                            <p:stCondLst>
-                              <p:cond delay="0"/>
-                            </p:stCondLst>
-                            <p:childTnLst>
-                              <p:par>
-                                <p:cTn id="24" presetID="53" presetClass="entr" presetSubtype="16" fill="hold" grpId="0" nodeType="clickEffect">
-                                  <p:stCondLst>
-                                    <p:cond delay="0"/>
-                                  </p:stCondLst>
-                                  <p:childTnLst>
-                                    <p:set>
-                                      <p:cBhvr>
-                                        <p:cTn id="25" dur="1" fill="hold">
-                                          <p:stCondLst>
-                                            <p:cond delay="0"/>
-                                          </p:stCondLst>
-                                        </p:cTn>
-                                        <p:tgtEl>
-                                          <p:spTgt spid="14"/>
-                                        </p:tgtEl>
-                                        <p:attrNameLst>
-                                          <p:attrName>style.visibility</p:attrName>
-                                        </p:attrNameLst>
-                                      </p:cBhvr>
-                                      <p:to>
-                                        <p:strVal val="visible"/>
-                                      </p:to>
-                                    </p:set>
-                                    <p:anim calcmode="lin" valueType="num">
-                                      <p:cBhvr>
-                                        <p:cTn id="26" dur="500" fill="hold"/>
-                                        <p:tgtEl>
-                                          <p:spTgt spid="14"/>
-                                        </p:tgtEl>
-                                        <p:attrNameLst>
-                                          <p:attrName>ppt_w</p:attrName>
-                                        </p:attrNameLst>
-                                      </p:cBhvr>
-                                      <p:tavLst>
-                                        <p:tav tm="0">
-                                          <p:val>
-                                            <p:fltVal val="0"/>
-                                          </p:val>
-                                        </p:tav>
-                                        <p:tav tm="100000">
-                                          <p:val>
-                                            <p:strVal val="#ppt_w"/>
-                                          </p:val>
-                                        </p:tav>
-                                      </p:tavLst>
-                                    </p:anim>
-                                    <p:anim calcmode="lin" valueType="num">
-                                      <p:cBhvr>
-                                        <p:cTn id="27" dur="500" fill="hold"/>
-                                        <p:tgtEl>
-                                          <p:spTgt spid="14"/>
-                                        </p:tgtEl>
-                                        <p:attrNameLst>
-                                          <p:attrName>ppt_h</p:attrName>
-                                        </p:attrNameLst>
-                                      </p:cBhvr>
-                                      <p:tavLst>
-                                        <p:tav tm="0">
-                                          <p:val>
-                                            <p:fltVal val="0"/>
-                                          </p:val>
-                                        </p:tav>
-                                        <p:tav tm="100000">
-                                          <p:val>
-                                            <p:strVal val="#ppt_h"/>
-                                          </p:val>
-                                        </p:tav>
-                                      </p:tavLst>
-                                    </p:anim>
-                                    <p:animEffect transition="in" filter="fade">
-                                      <p:cBhvr>
-                                        <p:cTn id="28" dur="500"/>
-                                        <p:tgtEl>
-                                          <p:spTgt spid="14"/>
-                                        </p:tgtEl>
-                                      </p:cBhvr>
-                                    </p:animEffect>
-                                  </p:childTnLst>
-                                </p:cTn>
-                              </p:par>
-                            </p:childTnLst>
-                          </p:cTn>
-                        </p:par>
-                      </p:childTnLst>
-                    </p:cTn>
-                  </p:par>
-                </p:childTnLst>
-              </p:cTn>
-              <p:nextCondLst>
-                <p:cond evt="onClick" delay="0">
-                  <p:tgtEl>
-                    <p:spTgt spid="13"/>
-                  </p:tgtEl>
-                </p:cond>
-              </p:nextCondLst>
-            </p:seq>
           </p:childTnLst>
         </p:cTn>
       </p:par>
     </p:tnLst>
     <p:bldLst>
-      <p:bldP spid="2" grpId="0"/>
-      <p:bldP spid="10" grpId="0" animBg="1"/>
-      <p:bldP spid="14" grpId="0" animBg="1"/>
+      <p:bldP spid="15" grpId="0"/>
+      <p:bldP spid="18" grpId="0"/>
+      <p:bldP spid="20" grpId="0"/>
+      <p:bldP spid="22" grpId="0"/>
+      <p:bldP spid="24" grpId="0"/>
+      <p:bldP spid="26" grpId="0"/>
     </p:bldLst>
   </p:timing>
 </p:sld>
@@ -6292,7 +6417,7 @@
             <a:r>
               <a:rPr lang="ru-RU" b="1" dirty="0">
                 <a:solidFill>
-                  <a:srgbClr val="4D71B7"/>
+                  <a:srgbClr val="002060"/>
                 </a:solidFill>
                 <a:latin typeface="Segoe Print" panose="02000600000000000000" pitchFamily="2" charset="0"/>
               </a:rPr>
@@ -6546,7 +6671,7 @@
             <a:avLst/>
           </a:prstGeom>
           <a:solidFill>
-            <a:srgbClr val="DE5764"/>
+            <a:srgbClr val="E24946"/>
           </a:solidFill>
           <a:ln>
             <a:solidFill>
@@ -6604,7 +6729,7 @@
             <a:avLst/>
           </a:prstGeom>
           <a:solidFill>
-            <a:srgbClr val="DE5764"/>
+            <a:srgbClr val="E24946"/>
           </a:solidFill>
           <a:ln>
             <a:solidFill>
@@ -6888,7 +7013,7 @@
             <a:r>
               <a:rPr lang="ru-RU" b="1" dirty="0">
                 <a:solidFill>
-                  <a:srgbClr val="4D71B7"/>
+                  <a:srgbClr val="002060"/>
                 </a:solidFill>
                 <a:latin typeface="Segoe Print" panose="02000600000000000000" pitchFamily="2" charset="0"/>
               </a:rPr>
@@ -7013,7 +7138,7 @@
             <a:r>
               <a:rPr lang="ru-RU" sz="4800" b="1" dirty="0">
                 <a:solidFill>
-                  <a:srgbClr val="FFFF00"/>
+                  <a:srgbClr val="002060"/>
                 </a:solidFill>
                 <a:latin typeface="Segoe Print" panose="02000600000000000000" pitchFamily="2" charset="0"/>
               </a:rPr>
@@ -7078,8 +7203,8 @@
         </p:nvSpPr>
         <p:spPr>
           <a:xfrm>
-            <a:off x="633583" y="2484120"/>
-            <a:ext cx="2551577" cy="1617453"/>
+            <a:off x="503583" y="2484120"/>
+            <a:ext cx="3032272" cy="1617453"/>
           </a:xfrm>
         </p:spPr>
         <p:txBody>
@@ -7092,11 +7217,11 @@
             <a:r>
               <a:rPr lang="ru-RU" sz="4800" b="1" dirty="0">
                 <a:solidFill>
-                  <a:srgbClr val="19407B"/>
+                  <a:srgbClr val="002060"/>
                 </a:solidFill>
                 <a:latin typeface="Segoe Print" panose="02000600000000000000" pitchFamily="2" charset="0"/>
               </a:rPr>
-              <a:t>Наша </a:t>
+              <a:t>Умный</a:t>
             </a:r>
             <a:br>
               <a:rPr lang="ru-RU" sz="4800" b="1" dirty="0">
@@ -7109,11 +7234,11 @@
             <a:r>
               <a:rPr lang="ru-RU" sz="4800" b="1" dirty="0">
                 <a:solidFill>
-                  <a:srgbClr val="19407B"/>
+                  <a:srgbClr val="002060"/>
                 </a:solidFill>
                 <a:latin typeface="Segoe Print" panose="02000600000000000000" pitchFamily="2" charset="0"/>
               </a:rPr>
-              <a:t>задача</a:t>
+              <a:t>домофон</a:t>
             </a:r>
           </a:p>
         </p:txBody>
@@ -7147,8 +7272,8 @@
         </p:blipFill>
         <p:spPr bwMode="auto">
           <a:xfrm>
-            <a:off x="3535855" y="801822"/>
-            <a:ext cx="7900642" cy="5254356"/>
+            <a:off x="3816626" y="758719"/>
+            <a:ext cx="7646375" cy="5340561"/>
           </a:xfrm>
           <a:prstGeom prst="rect">
             <a:avLst/>
@@ -7234,7 +7359,7 @@
             <a:r>
               <a:rPr lang="ru-RU" b="1" dirty="0">
                 <a:solidFill>
-                  <a:srgbClr val="19407B"/>
+                  <a:srgbClr val="002060"/>
                 </a:solidFill>
                 <a:latin typeface="Segoe Print" panose="02000600000000000000" pitchFamily="2" charset="0"/>
               </a:rPr>
@@ -7242,9 +7367,7 @@
             </a:r>
             <a:endParaRPr lang="ru-RU" b="1" dirty="0">
               <a:solidFill>
-                <a:schemeClr val="accent1">
-                  <a:lumMod val="75000"/>
-                </a:schemeClr>
+                <a:srgbClr val="002060"/>
               </a:solidFill>
             </a:endParaRPr>
           </a:p>
@@ -7367,7 +7490,10 @@
             <a:avLst/>
           </a:prstGeom>
           <a:solidFill>
-            <a:srgbClr val="F8D22F"/>
+            <a:schemeClr val="accent1">
+              <a:lumMod val="60000"/>
+              <a:lumOff val="40000"/>
+            </a:schemeClr>
           </a:solidFill>
         </p:spPr>
         <p:txBody>
@@ -7405,14 +7531,17 @@
         </p:nvSpPr>
         <p:spPr>
           <a:xfrm>
-            <a:off x="653349" y="5057646"/>
+            <a:off x="946241" y="5052960"/>
             <a:ext cx="4323644" cy="461665"/>
           </a:xfrm>
           <a:prstGeom prst="rect">
             <a:avLst/>
           </a:prstGeom>
           <a:solidFill>
-            <a:srgbClr val="F8D22F"/>
+            <a:schemeClr val="accent1">
+              <a:lumMod val="60000"/>
+              <a:lumOff val="40000"/>
+            </a:schemeClr>
           </a:solidFill>
         </p:spPr>
         <p:txBody>
@@ -7580,7 +7709,10 @@
             <a:avLst/>
           </a:prstGeom>
           <a:solidFill>
-            <a:srgbClr val="92D050"/>
+            <a:schemeClr val="accent4">
+              <a:lumMod val="60000"/>
+              <a:lumOff val="40000"/>
+            </a:schemeClr>
           </a:solidFill>
         </p:spPr>
         <p:style>
@@ -7639,7 +7771,10 @@
             <a:avLst/>
           </a:prstGeom>
           <a:solidFill>
-            <a:srgbClr val="F8D22F"/>
+            <a:schemeClr val="accent1">
+              <a:lumMod val="60000"/>
+              <a:lumOff val="40000"/>
+            </a:schemeClr>
           </a:solidFill>
         </p:spPr>
         <p:txBody>
